--- a/documentation/14 SOA Services - Action on payments.pptx
+++ b/documentation/14 SOA Services - Action on payments.pptx
@@ -227,7 +227,7 @@
           <a:p>
             <a:fld id="{CE53DE84-D7B3-4797-B14D-77424657396D}" type="datetimeFigureOut">
               <a:rPr lang="en-GB" smtClean="0"/>
-              <a:t>06/02/2018</a:t>
+              <a:t>21/03/2018</a:t>
             </a:fld>
             <a:endParaRPr lang="en-GB" dirty="0"/>
           </a:p>
@@ -392,7 +392,7 @@
           <a:p>
             <a:fld id="{D1C597EC-6BB0-461C-B045-D257C6C8821E}" type="datetimeFigureOut">
               <a:rPr lang="en-GB" smtClean="0"/>
-              <a:t>06/02/2018</a:t>
+              <a:t>21/03/2018</a:t>
             </a:fld>
             <a:endParaRPr lang="en-GB" dirty="0"/>
           </a:p>
@@ -1918,7 +1918,7 @@
           <a:p>
             <a:fld id="{22E7AA2F-F619-4723-B6E7-545F24B9918D}" type="datetime4">
               <a:rPr lang="en-GB" smtClean="0"/>
-              <a:t>06 February 2018</a:t>
+              <a:t>21 March 2018</a:t>
             </a:fld>
             <a:endParaRPr lang="en-GB" dirty="0"/>
           </a:p>
@@ -2122,7 +2122,7 @@
           <a:p>
             <a:fld id="{2A4201E0-34F3-46A7-AE44-D99163B13904}" type="datetime4">
               <a:rPr lang="en-GB" smtClean="0"/>
-              <a:t>06 February 2018</a:t>
+              <a:t>21 March 2018</a:t>
             </a:fld>
             <a:endParaRPr lang="en-GB" dirty="0"/>
           </a:p>
@@ -2370,7 +2370,7 @@
           <a:p>
             <a:fld id="{4FAE0867-24A8-448F-B507-CC8586AA6B96}" type="datetime4">
               <a:rPr lang="en-GB" smtClean="0"/>
-              <a:t>06 February 2018</a:t>
+              <a:t>21 March 2018</a:t>
             </a:fld>
             <a:endParaRPr lang="en-GB" dirty="0"/>
           </a:p>
@@ -2554,7 +2554,7 @@
           <a:p>
             <a:fld id="{54BE1DED-F17D-40BA-964F-A1C8DEDCEF61}" type="datetime4">
               <a:rPr lang="en-GB" smtClean="0"/>
-              <a:t>06 February 2018</a:t>
+              <a:t>21 March 2018</a:t>
             </a:fld>
             <a:endParaRPr lang="en-GB" dirty="0"/>
           </a:p>
@@ -2930,7 +2930,7 @@
             <a:fld id="{D9FBC6CA-9941-44FF-B65D-C7A23CB5A4BE}" type="datetime4">
               <a:rPr lang="en-GB" smtClean="0"/>
               <a:pPr/>
-              <a:t>06 February 2018</a:t>
+              <a:t>21 March 2018</a:t>
             </a:fld>
             <a:endParaRPr lang="en-GB" dirty="0"/>
           </a:p>
@@ -3116,7 +3116,7 @@
           <a:p>
             <a:fld id="{D473304B-F8FC-4BC7-8FE8-C50BC87E1FAB}" type="datetime4">
               <a:rPr lang="en-GB" smtClean="0"/>
-              <a:t>06 February 2018</a:t>
+              <a:t>21 March 2018</a:t>
             </a:fld>
             <a:endParaRPr lang="en-GB" dirty="0"/>
           </a:p>
@@ -3211,7 +3211,7 @@
           <a:p>
             <a:fld id="{D3D7C3DF-C1B2-4C30-9BDA-F5EE790E7213}" type="datetime4">
               <a:rPr lang="en-GB" smtClean="0"/>
-              <a:t>06 February 2018</a:t>
+              <a:t>21 March 2018</a:t>
             </a:fld>
             <a:endParaRPr lang="en-GB" dirty="0"/>
           </a:p>
@@ -3436,7 +3436,7 @@
           <a:p>
             <a:fld id="{7A1E630C-C3F3-4A66-A20B-F3CE4CC3331D}" type="datetime4">
               <a:rPr lang="en-GB" smtClean="0"/>
-              <a:t>06 February 2018</a:t>
+              <a:t>21 March 2018</a:t>
             </a:fld>
             <a:endParaRPr lang="en-GB" dirty="0"/>
           </a:p>
@@ -4070,7 +4070,7 @@
           <a:p>
             <a:fld id="{D22C19FE-D082-4640-BFED-203C0E583774}" type="datetime4">
               <a:rPr lang="en-GB" smtClean="0"/>
-              <a:t>06 February 2018</a:t>
+              <a:t>21 March 2018</a:t>
             </a:fld>
             <a:endParaRPr lang="en-GB" dirty="0"/>
           </a:p>
@@ -4755,11 +4755,7 @@
             </a:r>
             <a:r>
               <a:rPr lang="en-US" dirty="0" smtClean="0"/>
-              <a:t> </a:t>
-            </a:r>
-            <a:r>
-              <a:rPr lang="en-US" dirty="0" smtClean="0"/>
-              <a:t>- example</a:t>
+              <a:t> - example</a:t>
             </a:r>
             <a:endParaRPr lang="en-GB" dirty="0"/>
           </a:p>
@@ -4783,7 +4779,7 @@
             <a:fld id="{BC3F1638-3586-4527-A760-38AC15BFC248}" type="datetime4">
               <a:rPr lang="en-GB" smtClean="0"/>
               <a:pPr/>
-              <a:t>06 February 2018</a:t>
+              <a:t>21 March 2018</a:t>
             </a:fld>
             <a:endParaRPr lang="en-GB" dirty="0"/>
           </a:p>
@@ -4851,7 +4847,7 @@
         </p:nvSpPr>
         <p:spPr>
           <a:xfrm>
-            <a:off x="623888" y="1123721"/>
+            <a:off x="623888" y="1727402"/>
             <a:ext cx="9120187" cy="2799228"/>
           </a:xfrm>
           <a:prstGeom prst="rect">
@@ -4885,7 +4881,6 @@
                 <a:solidFill>
                   <a:schemeClr val="accent2"/>
                 </a:solidFill>
-                <a:latin typeface="Courier" pitchFamily="49" charset="0"/>
               </a:rPr>
               <a:t>Performs various activities.</a:t>
             </a:r>
@@ -4909,28 +4904,13 @@
                 <a:solidFill>
                   <a:schemeClr val="accent2"/>
                 </a:solidFill>
-                <a:latin typeface="Courier" pitchFamily="49" charset="0"/>
               </a:rPr>
-              <a:t>Submit</a:t>
-            </a:r>
-            <a:r>
-              <a:rPr lang="en-US" b="1" dirty="0" smtClean="0">
-                <a:solidFill>
-                  <a:schemeClr val="accent2"/>
-                </a:solidFill>
-                <a:latin typeface="Courier" pitchFamily="49" charset="0"/>
-              </a:rPr>
-              <a:t> – </a:t>
-            </a:r>
-            <a:r>
-              <a:rPr lang="en-US" b="1" dirty="0" smtClean="0">
-                <a:latin typeface="Courier" pitchFamily="49" charset="0"/>
-              </a:rPr>
+              <a:t>Submit – </a:t>
+            </a:r>
+            <a:r>
+              <a:rPr lang="en-US" b="1" dirty="0" smtClean="0"/>
               <a:t>Submits new payment for processing</a:t>
             </a:r>
-            <a:endParaRPr lang="en-US" b="1" dirty="0" smtClean="0">
-              <a:latin typeface="Courier" pitchFamily="49" charset="0"/>
-            </a:endParaRPr>
           </a:p>
           <a:p>
             <a:pPr marL="411163" indent="-411163">
@@ -4950,14 +4930,11 @@
                 <a:solidFill>
                   <a:schemeClr val="accent2"/>
                 </a:solidFill>
-                <a:latin typeface="Courier" pitchFamily="49" charset="0"/>
               </a:rPr>
               <a:t>Action - </a:t>
             </a:r>
             <a:r>
-              <a:rPr lang="en-US" b="1" dirty="0" smtClean="0">
-                <a:latin typeface="Courier" pitchFamily="49" charset="0"/>
-              </a:rPr>
+              <a:rPr lang="en-US" b="1" dirty="0" smtClean="0"/>
               <a:t>Takes a manual action on a specific payment, such as Cancel, Approve, Reject and Repair etc.</a:t>
             </a:r>
           </a:p>
@@ -4975,9 +4952,7 @@
               </a:buBlip>
             </a:pPr>
             <a:r>
-              <a:rPr lang="en-US" b="1" dirty="0" smtClean="0">
-                <a:latin typeface="Courier" pitchFamily="49" charset="0"/>
-              </a:rPr>
+              <a:rPr lang="en-US" b="1" dirty="0" smtClean="0"/>
               <a:t>Similar to Button press function.</a:t>
             </a:r>
           </a:p>
@@ -4995,9 +4970,7 @@
               </a:buBlip>
             </a:pPr>
             <a:r>
-              <a:rPr lang="en-US" b="1" dirty="0" smtClean="0">
-                <a:latin typeface="Courier" pitchFamily="49" charset="0"/>
-              </a:rPr>
+              <a:rPr lang="en-US" b="1" dirty="0" smtClean="0"/>
               <a:t>Accepts partial payment for amendment.</a:t>
             </a:r>
           </a:p>
@@ -5014,9 +4987,7 @@
                 <a:blip r:embed="rId3"/>
               </a:buBlip>
             </a:pPr>
-            <a:endParaRPr lang="en-US" b="1" dirty="0">
-              <a:latin typeface="Courier" pitchFamily="49" charset="0"/>
-            </a:endParaRPr>
+            <a:endParaRPr lang="en-US" b="1" dirty="0"/>
           </a:p>
         </p:txBody>
       </p:sp>
@@ -5094,15 +5065,7 @@
             </a:r>
             <a:r>
               <a:rPr lang="en-US" dirty="0" smtClean="0"/>
-              <a:t> </a:t>
-            </a:r>
-            <a:r>
-              <a:rPr lang="en-US" dirty="0" smtClean="0"/>
-              <a:t>- </a:t>
-            </a:r>
-            <a:r>
-              <a:rPr lang="en-US" dirty="0" smtClean="0"/>
-              <a:t>example</a:t>
+              <a:t> - example</a:t>
             </a:r>
             <a:endParaRPr lang="en-GB" dirty="0"/>
           </a:p>
@@ -5126,7 +5089,7 @@
             <a:fld id="{BC3F1638-3586-4527-A760-38AC15BFC248}" type="datetime4">
               <a:rPr lang="en-GB" smtClean="0"/>
               <a:pPr/>
-              <a:t>06 February 2018</a:t>
+              <a:t>21 March 2018</a:t>
             </a:fld>
             <a:endParaRPr lang="en-GB" dirty="0"/>
           </a:p>
@@ -5194,155 +5157,471 @@
         </p:nvSpPr>
         <p:spPr>
           <a:xfrm>
-            <a:off x="7464150" y="5193428"/>
-            <a:ext cx="2023579" cy="395926"/>
-          </a:xfrm>
-          <a:prstGeom prst="rect">
-            <a:avLst/>
-          </a:prstGeom>
-          <a:noFill/>
-        </p:spPr>
-        <p:txBody>
-          <a:bodyPr wrap="square" lIns="0" tIns="0" rIns="0" bIns="0" rtlCol="1" anchor="ctr">
-            <a:noAutofit/>
-          </a:bodyPr>
-          <a:lstStyle/>
-          <a:p>
-            <a:r>
-              <a:rPr lang="en-US" sz="1600" b="1" dirty="0" smtClean="0">
-                <a:solidFill>
-                  <a:schemeClr val="accent2"/>
-                </a:solidFill>
-                <a:latin typeface="Courier" pitchFamily="49" charset="0"/>
-              </a:rPr>
-              <a:t>Action</a:t>
-            </a:r>
-            <a:endParaRPr lang="he-IL" sz="1600" b="1" dirty="0" err="1" smtClean="0">
-              <a:solidFill>
-                <a:schemeClr val="accent2"/>
-              </a:solidFill>
-              <a:latin typeface="Courier" pitchFamily="49" charset="0"/>
-            </a:endParaRPr>
-          </a:p>
-        </p:txBody>
-      </p:sp>
-      <p:sp>
-        <p:nvSpPr>
-          <p:cNvPr id="19" name="TextBox 18"/>
-          <p:cNvSpPr txBox="1"/>
-          <p:nvPr/>
-        </p:nvSpPr>
-        <p:spPr>
-          <a:xfrm>
-            <a:off x="6614152" y="3511114"/>
+            <a:off x="6300389" y="4681005"/>
             <a:ext cx="2414832" cy="395926"/>
           </a:xfrm>
           <a:prstGeom prst="rect">
             <a:avLst/>
           </a:prstGeom>
-          <a:noFill/>
+          <a:solidFill>
+            <a:schemeClr val="accent2">
+              <a:lumMod val="20000"/>
+              <a:lumOff val="80000"/>
+            </a:schemeClr>
+          </a:solidFill>
+          <a:ln>
+            <a:noFill/>
+          </a:ln>
         </p:spPr>
-        <p:txBody>
-          <a:bodyPr wrap="square" lIns="0" tIns="0" rIns="0" bIns="0" rtlCol="1" anchor="ctr">
-            <a:noAutofit/>
-          </a:bodyPr>
-          <a:lstStyle/>
-          <a:p>
-            <a:r>
-              <a:rPr lang="en-US" sz="1600" b="1" dirty="0" smtClean="0">
+        <p:style>
+          <a:lnRef idx="2">
+            <a:schemeClr val="accent1">
+              <a:shade val="50000"/>
+            </a:schemeClr>
+          </a:lnRef>
+          <a:fillRef idx="1">
+            <a:schemeClr val="accent1"/>
+          </a:fillRef>
+          <a:effectRef idx="0">
+            <a:schemeClr val="accent1"/>
+          </a:effectRef>
+          <a:fontRef idx="minor">
+            <a:schemeClr val="lt1"/>
+          </a:fontRef>
+        </p:style>
+        <p:txBody>
+          <a:bodyPr rtlCol="0" anchor="ctr"/>
+          <a:lstStyle>
+            <a:defPPr>
+              <a:defRPr lang="en-US"/>
+            </a:defPPr>
+            <a:lvl1pPr algn="ctr">
+              <a:defRPr sz="1600">
                 <a:solidFill>
                   <a:schemeClr val="accent2"/>
                 </a:solidFill>
-                <a:latin typeface="Courier" pitchFamily="49" charset="0"/>
-              </a:rPr>
-              <a:t>Actual Payment</a:t>
-            </a:r>
-            <a:endParaRPr lang="he-IL" sz="1600" b="1" dirty="0" err="1" smtClean="0">
-              <a:solidFill>
-                <a:schemeClr val="accent2"/>
-              </a:solidFill>
-              <a:latin typeface="Courier" pitchFamily="49" charset="0"/>
-            </a:endParaRPr>
-          </a:p>
-        </p:txBody>
-      </p:sp>
-      <p:sp>
-        <p:nvSpPr>
-          <p:cNvPr id="20" name="TextBox 19"/>
+              </a:defRPr>
+            </a:lvl1pPr>
+            <a:lvl2pPr>
+              <a:defRPr>
+                <a:solidFill>
+                  <a:schemeClr val="lt1"/>
+                </a:solidFill>
+              </a:defRPr>
+            </a:lvl2pPr>
+            <a:lvl3pPr>
+              <a:defRPr>
+                <a:solidFill>
+                  <a:schemeClr val="lt1"/>
+                </a:solidFill>
+              </a:defRPr>
+            </a:lvl3pPr>
+            <a:lvl4pPr>
+              <a:defRPr>
+                <a:solidFill>
+                  <a:schemeClr val="lt1"/>
+                </a:solidFill>
+              </a:defRPr>
+            </a:lvl4pPr>
+            <a:lvl5pPr>
+              <a:defRPr>
+                <a:solidFill>
+                  <a:schemeClr val="lt1"/>
+                </a:solidFill>
+              </a:defRPr>
+            </a:lvl5pPr>
+            <a:lvl6pPr>
+              <a:defRPr>
+                <a:solidFill>
+                  <a:schemeClr val="lt1"/>
+                </a:solidFill>
+              </a:defRPr>
+            </a:lvl6pPr>
+            <a:lvl7pPr>
+              <a:defRPr>
+                <a:solidFill>
+                  <a:schemeClr val="lt1"/>
+                </a:solidFill>
+              </a:defRPr>
+            </a:lvl7pPr>
+            <a:lvl8pPr>
+              <a:defRPr>
+                <a:solidFill>
+                  <a:schemeClr val="lt1"/>
+                </a:solidFill>
+              </a:defRPr>
+            </a:lvl8pPr>
+            <a:lvl9pPr>
+              <a:defRPr>
+                <a:solidFill>
+                  <a:schemeClr val="lt1"/>
+                </a:solidFill>
+              </a:defRPr>
+            </a:lvl9pPr>
+          </a:lstStyle>
+          <a:p>
+            <a:r>
+              <a:rPr lang="en-US" dirty="0"/>
+              <a:t>Action</a:t>
+            </a:r>
+            <a:endParaRPr lang="he-IL" dirty="0" err="1"/>
+          </a:p>
+        </p:txBody>
+      </p:sp>
+      <p:sp>
+        <p:nvSpPr>
+          <p:cNvPr id="19" name="TextBox 18"/>
           <p:cNvSpPr txBox="1"/>
           <p:nvPr/>
         </p:nvSpPr>
         <p:spPr>
           <a:xfrm>
-            <a:off x="6614152" y="4154308"/>
-            <a:ext cx="2270622" cy="395926"/>
+            <a:off x="6300388" y="3655906"/>
+            <a:ext cx="2417590" cy="395926"/>
           </a:xfrm>
           <a:prstGeom prst="rect">
             <a:avLst/>
           </a:prstGeom>
-          <a:noFill/>
+          <a:solidFill>
+            <a:schemeClr val="accent2">
+              <a:lumMod val="20000"/>
+              <a:lumOff val="80000"/>
+            </a:schemeClr>
+          </a:solidFill>
+          <a:ln>
+            <a:noFill/>
+          </a:ln>
         </p:spPr>
-        <p:txBody>
-          <a:bodyPr wrap="square" lIns="0" tIns="0" rIns="0" bIns="0" rtlCol="1" anchor="ctr">
-            <a:noAutofit/>
-          </a:bodyPr>
-          <a:lstStyle/>
-          <a:p>
-            <a:r>
-              <a:rPr lang="en-US" sz="1600" b="1" dirty="0" smtClean="0">
+        <p:style>
+          <a:lnRef idx="2">
+            <a:schemeClr val="accent1">
+              <a:shade val="50000"/>
+            </a:schemeClr>
+          </a:lnRef>
+          <a:fillRef idx="1">
+            <a:schemeClr val="accent1"/>
+          </a:fillRef>
+          <a:effectRef idx="0">
+            <a:schemeClr val="accent1"/>
+          </a:effectRef>
+          <a:fontRef idx="minor">
+            <a:schemeClr val="lt1"/>
+          </a:fontRef>
+        </p:style>
+        <p:txBody>
+          <a:bodyPr rtlCol="0" anchor="ctr"/>
+          <a:lstStyle>
+            <a:defPPr>
+              <a:defRPr lang="en-US"/>
+            </a:defPPr>
+            <a:lvl1pPr algn="ctr">
+              <a:defRPr sz="1600">
                 <a:solidFill>
                   <a:schemeClr val="accent2"/>
                 </a:solidFill>
-                <a:latin typeface="Courier" pitchFamily="49" charset="0"/>
-              </a:rPr>
-              <a:t>Additional Info</a:t>
-            </a:r>
-            <a:endParaRPr lang="he-IL" sz="1600" b="1" dirty="0" err="1" smtClean="0">
-              <a:solidFill>
-                <a:schemeClr val="accent2"/>
-              </a:solidFill>
-              <a:latin typeface="Courier" pitchFamily="49" charset="0"/>
-            </a:endParaRPr>
-          </a:p>
-        </p:txBody>
-      </p:sp>
-      <p:sp>
-        <p:nvSpPr>
-          <p:cNvPr id="22" name="TextBox 21"/>
+              </a:defRPr>
+            </a:lvl1pPr>
+            <a:lvl2pPr>
+              <a:defRPr>
+                <a:solidFill>
+                  <a:schemeClr val="lt1"/>
+                </a:solidFill>
+              </a:defRPr>
+            </a:lvl2pPr>
+            <a:lvl3pPr>
+              <a:defRPr>
+                <a:solidFill>
+                  <a:schemeClr val="lt1"/>
+                </a:solidFill>
+              </a:defRPr>
+            </a:lvl3pPr>
+            <a:lvl4pPr>
+              <a:defRPr>
+                <a:solidFill>
+                  <a:schemeClr val="lt1"/>
+                </a:solidFill>
+              </a:defRPr>
+            </a:lvl4pPr>
+            <a:lvl5pPr>
+              <a:defRPr>
+                <a:solidFill>
+                  <a:schemeClr val="lt1"/>
+                </a:solidFill>
+              </a:defRPr>
+            </a:lvl5pPr>
+            <a:lvl6pPr>
+              <a:defRPr>
+                <a:solidFill>
+                  <a:schemeClr val="lt1"/>
+                </a:solidFill>
+              </a:defRPr>
+            </a:lvl6pPr>
+            <a:lvl7pPr>
+              <a:defRPr>
+                <a:solidFill>
+                  <a:schemeClr val="lt1"/>
+                </a:solidFill>
+              </a:defRPr>
+            </a:lvl7pPr>
+            <a:lvl8pPr>
+              <a:defRPr>
+                <a:solidFill>
+                  <a:schemeClr val="lt1"/>
+                </a:solidFill>
+              </a:defRPr>
+            </a:lvl8pPr>
+            <a:lvl9pPr>
+              <a:defRPr>
+                <a:solidFill>
+                  <a:schemeClr val="lt1"/>
+                </a:solidFill>
+              </a:defRPr>
+            </a:lvl9pPr>
+          </a:lstStyle>
+          <a:p>
+            <a:r>
+              <a:rPr lang="en-US" dirty="0"/>
+              <a:t>Actual Payment</a:t>
+            </a:r>
+            <a:endParaRPr lang="he-IL" dirty="0" err="1"/>
+          </a:p>
+        </p:txBody>
+      </p:sp>
+      <p:sp>
+        <p:nvSpPr>
+          <p:cNvPr id="20" name="TextBox 19"/>
           <p:cNvSpPr txBox="1"/>
           <p:nvPr/>
         </p:nvSpPr>
         <p:spPr>
           <a:xfrm>
-            <a:off x="6478351" y="1432874"/>
+            <a:off x="6300388" y="4168252"/>
             <a:ext cx="2414832" cy="395926"/>
           </a:xfrm>
           <a:prstGeom prst="rect">
             <a:avLst/>
           </a:prstGeom>
-          <a:noFill/>
+          <a:solidFill>
+            <a:schemeClr val="accent2">
+              <a:lumMod val="20000"/>
+              <a:lumOff val="80000"/>
+            </a:schemeClr>
+          </a:solidFill>
+          <a:ln>
+            <a:noFill/>
+          </a:ln>
         </p:spPr>
-        <p:txBody>
-          <a:bodyPr wrap="square" lIns="0" tIns="0" rIns="0" bIns="0" rtlCol="1" anchor="ctr">
-            <a:noAutofit/>
-          </a:bodyPr>
-          <a:lstStyle/>
-          <a:p>
-            <a:r>
-              <a:rPr lang="en-US" sz="1600" b="1" dirty="0" smtClean="0">
+        <p:style>
+          <a:lnRef idx="2">
+            <a:schemeClr val="accent1">
+              <a:shade val="50000"/>
+            </a:schemeClr>
+          </a:lnRef>
+          <a:fillRef idx="1">
+            <a:schemeClr val="accent1"/>
+          </a:fillRef>
+          <a:effectRef idx="0">
+            <a:schemeClr val="accent1"/>
+          </a:effectRef>
+          <a:fontRef idx="minor">
+            <a:schemeClr val="lt1"/>
+          </a:fontRef>
+        </p:style>
+        <p:txBody>
+          <a:bodyPr rtlCol="0" anchor="ctr"/>
+          <a:lstStyle>
+            <a:defPPr>
+              <a:defRPr lang="en-US"/>
+            </a:defPPr>
+            <a:lvl1pPr algn="ctr">
+              <a:defRPr sz="1600">
                 <a:solidFill>
                   <a:schemeClr val="accent2"/>
                 </a:solidFill>
-                <a:latin typeface="Courier" pitchFamily="49" charset="0"/>
-              </a:rPr>
+              </a:defRPr>
+            </a:lvl1pPr>
+            <a:lvl2pPr>
+              <a:defRPr>
+                <a:solidFill>
+                  <a:schemeClr val="lt1"/>
+                </a:solidFill>
+              </a:defRPr>
+            </a:lvl2pPr>
+            <a:lvl3pPr>
+              <a:defRPr>
+                <a:solidFill>
+                  <a:schemeClr val="lt1"/>
+                </a:solidFill>
+              </a:defRPr>
+            </a:lvl3pPr>
+            <a:lvl4pPr>
+              <a:defRPr>
+                <a:solidFill>
+                  <a:schemeClr val="lt1"/>
+                </a:solidFill>
+              </a:defRPr>
+            </a:lvl4pPr>
+            <a:lvl5pPr>
+              <a:defRPr>
+                <a:solidFill>
+                  <a:schemeClr val="lt1"/>
+                </a:solidFill>
+              </a:defRPr>
+            </a:lvl5pPr>
+            <a:lvl6pPr>
+              <a:defRPr>
+                <a:solidFill>
+                  <a:schemeClr val="lt1"/>
+                </a:solidFill>
+              </a:defRPr>
+            </a:lvl6pPr>
+            <a:lvl7pPr>
+              <a:defRPr>
+                <a:solidFill>
+                  <a:schemeClr val="lt1"/>
+                </a:solidFill>
+              </a:defRPr>
+            </a:lvl7pPr>
+            <a:lvl8pPr>
+              <a:defRPr>
+                <a:solidFill>
+                  <a:schemeClr val="lt1"/>
+                </a:solidFill>
+              </a:defRPr>
+            </a:lvl8pPr>
+            <a:lvl9pPr>
+              <a:defRPr>
+                <a:solidFill>
+                  <a:schemeClr val="lt1"/>
+                </a:solidFill>
+              </a:defRPr>
+            </a:lvl9pPr>
+          </a:lstStyle>
+          <a:p>
+            <a:r>
+              <a:rPr lang="en-US" dirty="0"/>
+              <a:t>Additional Info</a:t>
+            </a:r>
+            <a:endParaRPr lang="he-IL" dirty="0" err="1"/>
+          </a:p>
+        </p:txBody>
+      </p:sp>
+      <p:sp>
+        <p:nvSpPr>
+          <p:cNvPr id="22" name="TextBox 21"/>
+          <p:cNvSpPr txBox="1"/>
+          <p:nvPr/>
+        </p:nvSpPr>
+        <p:spPr>
+          <a:xfrm>
+            <a:off x="6300388" y="1504156"/>
+            <a:ext cx="2414832" cy="395926"/>
+          </a:xfrm>
+          <a:prstGeom prst="rect">
+            <a:avLst/>
+          </a:prstGeom>
+          <a:solidFill>
+            <a:schemeClr val="accent2">
+              <a:lumMod val="20000"/>
+              <a:lumOff val="80000"/>
+            </a:schemeClr>
+          </a:solidFill>
+          <a:ln>
+            <a:noFill/>
+          </a:ln>
+        </p:spPr>
+        <p:style>
+          <a:lnRef idx="2">
+            <a:schemeClr val="accent1">
+              <a:shade val="50000"/>
+            </a:schemeClr>
+          </a:lnRef>
+          <a:fillRef idx="1">
+            <a:schemeClr val="accent1"/>
+          </a:fillRef>
+          <a:effectRef idx="0">
+            <a:schemeClr val="accent1"/>
+          </a:effectRef>
+          <a:fontRef idx="minor">
+            <a:schemeClr val="lt1"/>
+          </a:fontRef>
+        </p:style>
+        <p:txBody>
+          <a:bodyPr rtlCol="0" anchor="ctr"/>
+          <a:lstStyle>
+            <a:defPPr>
+              <a:defRPr lang="en-US"/>
+            </a:defPPr>
+            <a:lvl1pPr algn="ctr">
+              <a:defRPr sz="1600">
+                <a:solidFill>
+                  <a:schemeClr val="accent2"/>
+                </a:solidFill>
+              </a:defRPr>
+            </a:lvl1pPr>
+            <a:lvl2pPr>
+              <a:defRPr>
+                <a:solidFill>
+                  <a:schemeClr val="lt1"/>
+                </a:solidFill>
+              </a:defRPr>
+            </a:lvl2pPr>
+            <a:lvl3pPr>
+              <a:defRPr>
+                <a:solidFill>
+                  <a:schemeClr val="lt1"/>
+                </a:solidFill>
+              </a:defRPr>
+            </a:lvl3pPr>
+            <a:lvl4pPr>
+              <a:defRPr>
+                <a:solidFill>
+                  <a:schemeClr val="lt1"/>
+                </a:solidFill>
+              </a:defRPr>
+            </a:lvl4pPr>
+            <a:lvl5pPr>
+              <a:defRPr>
+                <a:solidFill>
+                  <a:schemeClr val="lt1"/>
+                </a:solidFill>
+              </a:defRPr>
+            </a:lvl5pPr>
+            <a:lvl6pPr>
+              <a:defRPr>
+                <a:solidFill>
+                  <a:schemeClr val="lt1"/>
+                </a:solidFill>
+              </a:defRPr>
+            </a:lvl6pPr>
+            <a:lvl7pPr>
+              <a:defRPr>
+                <a:solidFill>
+                  <a:schemeClr val="lt1"/>
+                </a:solidFill>
+              </a:defRPr>
+            </a:lvl7pPr>
+            <a:lvl8pPr>
+              <a:defRPr>
+                <a:solidFill>
+                  <a:schemeClr val="lt1"/>
+                </a:solidFill>
+              </a:defRPr>
+            </a:lvl8pPr>
+            <a:lvl9pPr>
+              <a:defRPr>
+                <a:solidFill>
+                  <a:schemeClr val="lt1"/>
+                </a:solidFill>
+              </a:defRPr>
+            </a:lvl9pPr>
+          </a:lstStyle>
+          <a:p>
+            <a:r>
+              <a:rPr lang="en-US" dirty="0"/>
               <a:t>message header</a:t>
             </a:r>
-            <a:endParaRPr lang="he-IL" sz="1600" b="1" dirty="0" err="1" smtClean="0">
-              <a:solidFill>
-                <a:schemeClr val="accent2"/>
-              </a:solidFill>
-              <a:latin typeface="Courier" pitchFamily="49" charset="0"/>
-            </a:endParaRPr>
+            <a:endParaRPr lang="he-IL" dirty="0" err="1"/>
           </a:p>
         </p:txBody>
       </p:sp>
@@ -5378,15 +5657,13 @@
       <p:cxnSp>
         <p:nvCxnSpPr>
           <p:cNvPr id="8" name="Straight Arrow Connector 7"/>
-          <p:cNvCxnSpPr>
-            <a:stCxn id="22" idx="1"/>
-          </p:cNvCxnSpPr>
+          <p:cNvCxnSpPr/>
           <p:nvPr/>
         </p:nvCxnSpPr>
         <p:spPr>
           <a:xfrm flipH="1">
-            <a:off x="3992578" y="1630837"/>
-            <a:ext cx="2485773" cy="98375"/>
+            <a:off x="3992579" y="1686915"/>
+            <a:ext cx="2310567" cy="5505"/>
           </a:xfrm>
           <a:prstGeom prst="straightConnector1">
             <a:avLst/>
@@ -5419,9 +5696,9 @@
           <p:nvPr/>
         </p:nvCxnSpPr>
         <p:spPr>
-          <a:xfrm flipH="1">
-            <a:off x="3693814" y="3709077"/>
-            <a:ext cx="2920338" cy="117785"/>
+          <a:xfrm flipH="1" flipV="1">
+            <a:off x="3693815" y="3826863"/>
+            <a:ext cx="2606573" cy="27006"/>
           </a:xfrm>
           <a:prstGeom prst="straightConnector1">
             <a:avLst/>
@@ -5455,8 +5732,8 @@
         </p:nvCxnSpPr>
         <p:spPr>
           <a:xfrm flipH="1">
-            <a:off x="5785164" y="4352271"/>
-            <a:ext cx="828988" cy="43993"/>
+            <a:off x="5824614" y="4366215"/>
+            <a:ext cx="475774" cy="0"/>
           </a:xfrm>
           <a:prstGeom prst="straightConnector1">
             <a:avLst/>
@@ -5489,9 +5766,9 @@
           <p:nvPr/>
         </p:nvCxnSpPr>
         <p:spPr>
-          <a:xfrm flipH="1" flipV="1">
-            <a:off x="5827438" y="4849834"/>
-            <a:ext cx="1636712" cy="541557"/>
+          <a:xfrm flipH="1">
+            <a:off x="5824613" y="4878968"/>
+            <a:ext cx="475776" cy="3750"/>
           </a:xfrm>
           <a:prstGeom prst="straightConnector1">
             <a:avLst/>
@@ -5580,7 +5857,7 @@
         </p:blipFill>
         <p:spPr>
           <a:xfrm>
-            <a:off x="230156" y="924166"/>
+            <a:off x="238028" y="1223340"/>
             <a:ext cx="6734175" cy="4467225"/>
           </a:xfrm>
           <a:prstGeom prst="rect">
@@ -5613,15 +5890,7 @@
             </a:r>
             <a:r>
               <a:rPr lang="en-US" dirty="0" smtClean="0"/>
-              <a:t> </a:t>
-            </a:r>
-            <a:r>
-              <a:rPr lang="en-US" dirty="0" smtClean="0"/>
-              <a:t>- </a:t>
-            </a:r>
-            <a:r>
-              <a:rPr lang="en-US" dirty="0" smtClean="0"/>
-              <a:t>response</a:t>
+              <a:t> - response</a:t>
             </a:r>
             <a:endParaRPr lang="en-GB" dirty="0"/>
           </a:p>
@@ -5645,7 +5914,7 @@
             <a:fld id="{BC3F1638-3586-4527-A760-38AC15BFC248}" type="datetime4">
               <a:rPr lang="en-GB" smtClean="0"/>
               <a:pPr/>
-              <a:t>06 February 2018</a:t>
+              <a:t>21 March 2018</a:t>
             </a:fld>
             <a:endParaRPr lang="en-GB" dirty="0"/>
           </a:p>
@@ -5713,170 +5982,484 @@
         </p:nvSpPr>
         <p:spPr>
           <a:xfrm>
-            <a:off x="8292729" y="3189936"/>
-            <a:ext cx="2023579" cy="395926"/>
-          </a:xfrm>
-          <a:prstGeom prst="rect">
-            <a:avLst/>
-          </a:prstGeom>
-          <a:noFill/>
-        </p:spPr>
-        <p:txBody>
-          <a:bodyPr wrap="square" lIns="0" tIns="0" rIns="0" bIns="0" rtlCol="1" anchor="ctr">
-            <a:noAutofit/>
-          </a:bodyPr>
-          <a:lstStyle/>
-          <a:p>
-            <a:r>
-              <a:rPr lang="en-US" sz="1600" b="1" dirty="0" smtClean="0">
-                <a:solidFill>
-                  <a:schemeClr val="accent2"/>
-                </a:solidFill>
-                <a:latin typeface="Courier" pitchFamily="49" charset="0"/>
-              </a:rPr>
-              <a:t>Additional Payment Info</a:t>
-            </a:r>
-            <a:endParaRPr lang="he-IL" sz="1600" b="1" dirty="0" err="1" smtClean="0">
-              <a:solidFill>
-                <a:schemeClr val="accent2"/>
-              </a:solidFill>
-              <a:latin typeface="Courier" pitchFamily="49" charset="0"/>
-            </a:endParaRPr>
-          </a:p>
-        </p:txBody>
-      </p:sp>
-      <p:sp>
-        <p:nvSpPr>
-          <p:cNvPr id="19" name="TextBox 18"/>
-          <p:cNvSpPr txBox="1"/>
-          <p:nvPr/>
-        </p:nvSpPr>
-        <p:spPr>
-          <a:xfrm>
-            <a:off x="8212282" y="2348779"/>
+            <a:off x="6649375" y="3183519"/>
             <a:ext cx="2414832" cy="395926"/>
           </a:xfrm>
           <a:prstGeom prst="rect">
             <a:avLst/>
           </a:prstGeom>
-          <a:noFill/>
+          <a:solidFill>
+            <a:schemeClr val="accent2">
+              <a:lumMod val="20000"/>
+              <a:lumOff val="80000"/>
+            </a:schemeClr>
+          </a:solidFill>
+          <a:ln>
+            <a:noFill/>
+          </a:ln>
         </p:spPr>
-        <p:txBody>
-          <a:bodyPr wrap="square" lIns="0" tIns="0" rIns="0" bIns="0" rtlCol="1" anchor="ctr">
-            <a:noAutofit/>
-          </a:bodyPr>
-          <a:lstStyle/>
-          <a:p>
-            <a:r>
-              <a:rPr lang="en-US" sz="1600" b="1" dirty="0" smtClean="0">
+        <p:style>
+          <a:lnRef idx="2">
+            <a:schemeClr val="accent1">
+              <a:shade val="50000"/>
+            </a:schemeClr>
+          </a:lnRef>
+          <a:fillRef idx="1">
+            <a:schemeClr val="accent1"/>
+          </a:fillRef>
+          <a:effectRef idx="0">
+            <a:schemeClr val="accent1"/>
+          </a:effectRef>
+          <a:fontRef idx="minor">
+            <a:schemeClr val="lt1"/>
+          </a:fontRef>
+        </p:style>
+        <p:txBody>
+          <a:bodyPr rtlCol="0" anchor="ctr"/>
+          <a:lstStyle>
+            <a:defPPr>
+              <a:defRPr lang="en-US"/>
+            </a:defPPr>
+            <a:lvl1pPr algn="ctr">
+              <a:defRPr sz="1600">
                 <a:solidFill>
                   <a:schemeClr val="accent2"/>
                 </a:solidFill>
-                <a:latin typeface="Courier" pitchFamily="49" charset="0"/>
-              </a:rPr>
-              <a:t>Current Payment</a:t>
-            </a:r>
-            <a:endParaRPr lang="he-IL" sz="1600" b="1" dirty="0" err="1" smtClean="0">
-              <a:solidFill>
-                <a:schemeClr val="accent2"/>
-              </a:solidFill>
-              <a:latin typeface="Courier" pitchFamily="49" charset="0"/>
-            </a:endParaRPr>
-          </a:p>
-        </p:txBody>
-      </p:sp>
-      <p:sp>
-        <p:nvSpPr>
-          <p:cNvPr id="20" name="TextBox 19"/>
+              </a:defRPr>
+            </a:lvl1pPr>
+            <a:lvl2pPr>
+              <a:defRPr>
+                <a:solidFill>
+                  <a:schemeClr val="lt1"/>
+                </a:solidFill>
+              </a:defRPr>
+            </a:lvl2pPr>
+            <a:lvl3pPr>
+              <a:defRPr>
+                <a:solidFill>
+                  <a:schemeClr val="lt1"/>
+                </a:solidFill>
+              </a:defRPr>
+            </a:lvl3pPr>
+            <a:lvl4pPr>
+              <a:defRPr>
+                <a:solidFill>
+                  <a:schemeClr val="lt1"/>
+                </a:solidFill>
+              </a:defRPr>
+            </a:lvl4pPr>
+            <a:lvl5pPr>
+              <a:defRPr>
+                <a:solidFill>
+                  <a:schemeClr val="lt1"/>
+                </a:solidFill>
+              </a:defRPr>
+            </a:lvl5pPr>
+            <a:lvl6pPr>
+              <a:defRPr>
+                <a:solidFill>
+                  <a:schemeClr val="lt1"/>
+                </a:solidFill>
+              </a:defRPr>
+            </a:lvl6pPr>
+            <a:lvl7pPr>
+              <a:defRPr>
+                <a:solidFill>
+                  <a:schemeClr val="lt1"/>
+                </a:solidFill>
+              </a:defRPr>
+            </a:lvl7pPr>
+            <a:lvl8pPr>
+              <a:defRPr>
+                <a:solidFill>
+                  <a:schemeClr val="lt1"/>
+                </a:solidFill>
+              </a:defRPr>
+            </a:lvl8pPr>
+            <a:lvl9pPr>
+              <a:defRPr>
+                <a:solidFill>
+                  <a:schemeClr val="lt1"/>
+                </a:solidFill>
+              </a:defRPr>
+            </a:lvl9pPr>
+          </a:lstStyle>
+          <a:p>
+            <a:r>
+              <a:rPr lang="en-US" dirty="0"/>
+              <a:t>Additional Payment Info</a:t>
+            </a:r>
+            <a:endParaRPr lang="he-IL" dirty="0" err="1"/>
+          </a:p>
+        </p:txBody>
+      </p:sp>
+      <p:sp>
+        <p:nvSpPr>
+          <p:cNvPr id="19" name="TextBox 18"/>
           <p:cNvSpPr txBox="1"/>
           <p:nvPr/>
         </p:nvSpPr>
         <p:spPr>
           <a:xfrm>
-            <a:off x="8569700" y="4154308"/>
-            <a:ext cx="2270622" cy="395926"/>
-          </a:xfrm>
-          <a:prstGeom prst="rect">
-            <a:avLst/>
-          </a:prstGeom>
-          <a:noFill/>
-        </p:spPr>
-        <p:txBody>
-          <a:bodyPr wrap="square" lIns="0" tIns="0" rIns="0" bIns="0" rtlCol="1" anchor="ctr">
-            <a:noAutofit/>
-          </a:bodyPr>
-          <a:lstStyle/>
-          <a:p>
-            <a:r>
-              <a:rPr lang="en-US" sz="1600" b="1" dirty="0" smtClean="0">
-                <a:solidFill>
-                  <a:schemeClr val="accent2"/>
-                </a:solidFill>
-                <a:latin typeface="Courier" pitchFamily="49" charset="0"/>
-              </a:rPr>
-              <a:t>Original Payment</a:t>
-            </a:r>
-            <a:endParaRPr lang="he-IL" sz="1600" b="1" dirty="0" err="1" smtClean="0">
-              <a:solidFill>
-                <a:schemeClr val="accent2"/>
-              </a:solidFill>
-              <a:latin typeface="Courier" pitchFamily="49" charset="0"/>
-            </a:endParaRPr>
-          </a:p>
-        </p:txBody>
-      </p:sp>
-      <p:sp>
-        <p:nvSpPr>
-          <p:cNvPr id="22" name="TextBox 21"/>
-          <p:cNvSpPr txBox="1"/>
-          <p:nvPr/>
-        </p:nvSpPr>
-        <p:spPr>
-          <a:xfrm>
-            <a:off x="8433899" y="1432874"/>
+            <a:off x="8212282" y="2660647"/>
             <a:ext cx="2414832" cy="395926"/>
           </a:xfrm>
           <a:prstGeom prst="rect">
             <a:avLst/>
           </a:prstGeom>
-          <a:noFill/>
+          <a:solidFill>
+            <a:schemeClr val="accent2">
+              <a:lumMod val="20000"/>
+              <a:lumOff val="80000"/>
+            </a:schemeClr>
+          </a:solidFill>
+          <a:ln>
+            <a:noFill/>
+          </a:ln>
         </p:spPr>
-        <p:txBody>
-          <a:bodyPr wrap="square" lIns="0" tIns="0" rIns="0" bIns="0" rtlCol="1" anchor="ctr">
-            <a:noAutofit/>
-          </a:bodyPr>
-          <a:lstStyle/>
-          <a:p>
-            <a:r>
-              <a:rPr lang="en-US" sz="1600" b="1" dirty="0" smtClean="0">
+        <p:style>
+          <a:lnRef idx="2">
+            <a:schemeClr val="accent1">
+              <a:shade val="50000"/>
+            </a:schemeClr>
+          </a:lnRef>
+          <a:fillRef idx="1">
+            <a:schemeClr val="accent1"/>
+          </a:fillRef>
+          <a:effectRef idx="0">
+            <a:schemeClr val="accent1"/>
+          </a:effectRef>
+          <a:fontRef idx="minor">
+            <a:schemeClr val="lt1"/>
+          </a:fontRef>
+        </p:style>
+        <p:txBody>
+          <a:bodyPr rtlCol="0" anchor="ctr"/>
+          <a:lstStyle>
+            <a:defPPr>
+              <a:defRPr lang="en-US"/>
+            </a:defPPr>
+            <a:lvl1pPr algn="ctr">
+              <a:defRPr sz="1600">
                 <a:solidFill>
                   <a:schemeClr val="accent2"/>
                 </a:solidFill>
-                <a:latin typeface="Courier" pitchFamily="49" charset="0"/>
-              </a:rPr>
+              </a:defRPr>
+            </a:lvl1pPr>
+            <a:lvl2pPr>
+              <a:defRPr>
+                <a:solidFill>
+                  <a:schemeClr val="lt1"/>
+                </a:solidFill>
+              </a:defRPr>
+            </a:lvl2pPr>
+            <a:lvl3pPr>
+              <a:defRPr>
+                <a:solidFill>
+                  <a:schemeClr val="lt1"/>
+                </a:solidFill>
+              </a:defRPr>
+            </a:lvl3pPr>
+            <a:lvl4pPr>
+              <a:defRPr>
+                <a:solidFill>
+                  <a:schemeClr val="lt1"/>
+                </a:solidFill>
+              </a:defRPr>
+            </a:lvl4pPr>
+            <a:lvl5pPr>
+              <a:defRPr>
+                <a:solidFill>
+                  <a:schemeClr val="lt1"/>
+                </a:solidFill>
+              </a:defRPr>
+            </a:lvl5pPr>
+            <a:lvl6pPr>
+              <a:defRPr>
+                <a:solidFill>
+                  <a:schemeClr val="lt1"/>
+                </a:solidFill>
+              </a:defRPr>
+            </a:lvl6pPr>
+            <a:lvl7pPr>
+              <a:defRPr>
+                <a:solidFill>
+                  <a:schemeClr val="lt1"/>
+                </a:solidFill>
+              </a:defRPr>
+            </a:lvl7pPr>
+            <a:lvl8pPr>
+              <a:defRPr>
+                <a:solidFill>
+                  <a:schemeClr val="lt1"/>
+                </a:solidFill>
+              </a:defRPr>
+            </a:lvl8pPr>
+            <a:lvl9pPr>
+              <a:defRPr>
+                <a:solidFill>
+                  <a:schemeClr val="lt1"/>
+                </a:solidFill>
+              </a:defRPr>
+            </a:lvl9pPr>
+          </a:lstStyle>
+          <a:p>
+            <a:r>
+              <a:rPr lang="en-US" dirty="0"/>
+              <a:t>Current Payment</a:t>
+            </a:r>
+            <a:endParaRPr lang="he-IL" dirty="0" err="1"/>
+          </a:p>
+        </p:txBody>
+      </p:sp>
+      <p:sp>
+        <p:nvSpPr>
+          <p:cNvPr id="20" name="TextBox 19"/>
+          <p:cNvSpPr txBox="1"/>
+          <p:nvPr/>
+        </p:nvSpPr>
+        <p:spPr>
+          <a:xfrm>
+            <a:off x="4333742" y="4675479"/>
+            <a:ext cx="2414832" cy="395926"/>
+          </a:xfrm>
+          <a:prstGeom prst="rect">
+            <a:avLst/>
+          </a:prstGeom>
+          <a:solidFill>
+            <a:schemeClr val="accent2">
+              <a:lumMod val="20000"/>
+              <a:lumOff val="80000"/>
+            </a:schemeClr>
+          </a:solidFill>
+          <a:ln>
+            <a:noFill/>
+          </a:ln>
+        </p:spPr>
+        <p:style>
+          <a:lnRef idx="2">
+            <a:schemeClr val="accent1">
+              <a:shade val="50000"/>
+            </a:schemeClr>
+          </a:lnRef>
+          <a:fillRef idx="1">
+            <a:schemeClr val="accent1"/>
+          </a:fillRef>
+          <a:effectRef idx="0">
+            <a:schemeClr val="accent1"/>
+          </a:effectRef>
+          <a:fontRef idx="minor">
+            <a:schemeClr val="lt1"/>
+          </a:fontRef>
+        </p:style>
+        <p:txBody>
+          <a:bodyPr rtlCol="0" anchor="ctr"/>
+          <a:lstStyle>
+            <a:defPPr>
+              <a:defRPr lang="en-US"/>
+            </a:defPPr>
+            <a:lvl1pPr algn="ctr">
+              <a:defRPr sz="1600">
+                <a:solidFill>
+                  <a:schemeClr val="accent2"/>
+                </a:solidFill>
+              </a:defRPr>
+            </a:lvl1pPr>
+            <a:lvl2pPr>
+              <a:defRPr>
+                <a:solidFill>
+                  <a:schemeClr val="lt1"/>
+                </a:solidFill>
+              </a:defRPr>
+            </a:lvl2pPr>
+            <a:lvl3pPr>
+              <a:defRPr>
+                <a:solidFill>
+                  <a:schemeClr val="lt1"/>
+                </a:solidFill>
+              </a:defRPr>
+            </a:lvl3pPr>
+            <a:lvl4pPr>
+              <a:defRPr>
+                <a:solidFill>
+                  <a:schemeClr val="lt1"/>
+                </a:solidFill>
+              </a:defRPr>
+            </a:lvl4pPr>
+            <a:lvl5pPr>
+              <a:defRPr>
+                <a:solidFill>
+                  <a:schemeClr val="lt1"/>
+                </a:solidFill>
+              </a:defRPr>
+            </a:lvl5pPr>
+            <a:lvl6pPr>
+              <a:defRPr>
+                <a:solidFill>
+                  <a:schemeClr val="lt1"/>
+                </a:solidFill>
+              </a:defRPr>
+            </a:lvl6pPr>
+            <a:lvl7pPr>
+              <a:defRPr>
+                <a:solidFill>
+                  <a:schemeClr val="lt1"/>
+                </a:solidFill>
+              </a:defRPr>
+            </a:lvl7pPr>
+            <a:lvl8pPr>
+              <a:defRPr>
+                <a:solidFill>
+                  <a:schemeClr val="lt1"/>
+                </a:solidFill>
+              </a:defRPr>
+            </a:lvl8pPr>
+            <a:lvl9pPr>
+              <a:defRPr>
+                <a:solidFill>
+                  <a:schemeClr val="lt1"/>
+                </a:solidFill>
+              </a:defRPr>
+            </a:lvl9pPr>
+          </a:lstStyle>
+          <a:p>
+            <a:r>
+              <a:rPr lang="en-US" dirty="0"/>
+              <a:t>Original Payment</a:t>
+            </a:r>
+            <a:endParaRPr lang="he-IL" dirty="0" err="1"/>
+          </a:p>
+        </p:txBody>
+      </p:sp>
+      <p:sp>
+        <p:nvSpPr>
+          <p:cNvPr id="22" name="TextBox 21"/>
+          <p:cNvSpPr txBox="1"/>
+          <p:nvPr/>
+        </p:nvSpPr>
+        <p:spPr>
+          <a:xfrm>
+            <a:off x="5939161" y="2112630"/>
+            <a:ext cx="2414832" cy="395926"/>
+          </a:xfrm>
+          <a:prstGeom prst="rect">
+            <a:avLst/>
+          </a:prstGeom>
+          <a:solidFill>
+            <a:schemeClr val="accent2">
+              <a:lumMod val="20000"/>
+              <a:lumOff val="80000"/>
+            </a:schemeClr>
+          </a:solidFill>
+          <a:ln>
+            <a:noFill/>
+          </a:ln>
+        </p:spPr>
+        <p:style>
+          <a:lnRef idx="2">
+            <a:schemeClr val="accent1">
+              <a:shade val="50000"/>
+            </a:schemeClr>
+          </a:lnRef>
+          <a:fillRef idx="1">
+            <a:schemeClr val="accent1"/>
+          </a:fillRef>
+          <a:effectRef idx="0">
+            <a:schemeClr val="accent1"/>
+          </a:effectRef>
+          <a:fontRef idx="minor">
+            <a:schemeClr val="lt1"/>
+          </a:fontRef>
+        </p:style>
+        <p:txBody>
+          <a:bodyPr rtlCol="0" anchor="ctr"/>
+          <a:lstStyle>
+            <a:defPPr>
+              <a:defRPr lang="en-US"/>
+            </a:defPPr>
+            <a:lvl1pPr algn="ctr">
+              <a:defRPr sz="1600">
+                <a:solidFill>
+                  <a:schemeClr val="accent2"/>
+                </a:solidFill>
+              </a:defRPr>
+            </a:lvl1pPr>
+            <a:lvl2pPr>
+              <a:defRPr>
+                <a:solidFill>
+                  <a:schemeClr val="lt1"/>
+                </a:solidFill>
+              </a:defRPr>
+            </a:lvl2pPr>
+            <a:lvl3pPr>
+              <a:defRPr>
+                <a:solidFill>
+                  <a:schemeClr val="lt1"/>
+                </a:solidFill>
+              </a:defRPr>
+            </a:lvl3pPr>
+            <a:lvl4pPr>
+              <a:defRPr>
+                <a:solidFill>
+                  <a:schemeClr val="lt1"/>
+                </a:solidFill>
+              </a:defRPr>
+            </a:lvl4pPr>
+            <a:lvl5pPr>
+              <a:defRPr>
+                <a:solidFill>
+                  <a:schemeClr val="lt1"/>
+                </a:solidFill>
+              </a:defRPr>
+            </a:lvl5pPr>
+            <a:lvl6pPr>
+              <a:defRPr>
+                <a:solidFill>
+                  <a:schemeClr val="lt1"/>
+                </a:solidFill>
+              </a:defRPr>
+            </a:lvl6pPr>
+            <a:lvl7pPr>
+              <a:defRPr>
+                <a:solidFill>
+                  <a:schemeClr val="lt1"/>
+                </a:solidFill>
+              </a:defRPr>
+            </a:lvl7pPr>
+            <a:lvl8pPr>
+              <a:defRPr>
+                <a:solidFill>
+                  <a:schemeClr val="lt1"/>
+                </a:solidFill>
+              </a:defRPr>
+            </a:lvl8pPr>
+            <a:lvl9pPr>
+              <a:defRPr>
+                <a:solidFill>
+                  <a:schemeClr val="lt1"/>
+                </a:solidFill>
+              </a:defRPr>
+            </a:lvl9pPr>
+          </a:lstStyle>
+          <a:p>
+            <a:r>
+              <a:rPr lang="en-US" dirty="0"/>
               <a:t>Payment ID</a:t>
             </a:r>
-            <a:endParaRPr lang="he-IL" sz="1600" b="1" dirty="0" err="1" smtClean="0">
-              <a:solidFill>
-                <a:schemeClr val="accent2"/>
-              </a:solidFill>
-              <a:latin typeface="Courier" pitchFamily="49" charset="0"/>
-            </a:endParaRPr>
+            <a:endParaRPr lang="he-IL" dirty="0" err="1"/>
           </a:p>
         </p:txBody>
       </p:sp>
       <p:cxnSp>
         <p:nvCxnSpPr>
           <p:cNvPr id="8" name="Straight Arrow Connector 7"/>
-          <p:cNvCxnSpPr>
-            <a:stCxn id="22" idx="1"/>
-          </p:cNvCxnSpPr>
+          <p:cNvCxnSpPr/>
           <p:nvPr/>
         </p:nvCxnSpPr>
         <p:spPr>
           <a:xfrm flipH="1">
-            <a:off x="4454305" y="1630837"/>
-            <a:ext cx="3979594" cy="375560"/>
+            <a:off x="4333742" y="2309203"/>
+            <a:ext cx="1605419" cy="1390"/>
           </a:xfrm>
           <a:prstGeom prst="straightConnector1">
             <a:avLst/>
@@ -5903,13 +6486,15 @@
       <p:cxnSp>
         <p:nvCxnSpPr>
           <p:cNvPr id="10" name="Straight Arrow Connector 9"/>
-          <p:cNvCxnSpPr/>
+          <p:cNvCxnSpPr>
+            <a:stCxn id="19" idx="1"/>
+          </p:cNvCxnSpPr>
           <p:nvPr/>
         </p:nvCxnSpPr>
         <p:spPr>
           <a:xfrm flipH="1">
-            <a:off x="7052650" y="2546742"/>
-            <a:ext cx="1102556" cy="0"/>
+            <a:off x="6871318" y="2858610"/>
+            <a:ext cx="1340964" cy="0"/>
           </a:xfrm>
           <a:prstGeom prst="straightConnector1">
             <a:avLst/>
@@ -5942,9 +6527,9 @@
           <p:nvPr/>
         </p:nvCxnSpPr>
         <p:spPr>
-          <a:xfrm flipH="1">
-            <a:off x="2813539" y="4352271"/>
-            <a:ext cx="5756161" cy="197963"/>
+          <a:xfrm flipH="1" flipV="1">
+            <a:off x="2646404" y="4853076"/>
+            <a:ext cx="1687338" cy="20366"/>
           </a:xfrm>
           <a:prstGeom prst="straightConnector1">
             <a:avLst/>
@@ -5976,8 +6561,8 @@
         </p:nvCxnSpPr>
         <p:spPr>
           <a:xfrm flipH="1">
-            <a:off x="5287224" y="3376691"/>
-            <a:ext cx="2925058" cy="160524"/>
+            <a:off x="4447714" y="3353918"/>
+            <a:ext cx="2201661" cy="13283"/>
           </a:xfrm>
           <a:prstGeom prst="straightConnector1">
             <a:avLst/>
@@ -6168,14 +6753,6 @@
                         </a:rPr>
                         <a:t>Performs validations and processes the payment either for a new message created via the service, or after update of an existing message. Returns all errors or a successful response 	</a:t>
                       </a:r>
-                      <a:endParaRPr lang="en-US" sz="1200" b="0" i="0" u="none" strike="noStrike" kern="1200" baseline="0" dirty="0" smtClean="0">
-                        <a:solidFill>
-                          <a:schemeClr val="dk1"/>
-                        </a:solidFill>
-                        <a:latin typeface="+mn-lt"/>
-                        <a:ea typeface="+mn-ea"/>
-                        <a:cs typeface="+mn-cs"/>
-                      </a:endParaRPr>
                     </a:p>
                   </a:txBody>
                   <a:tcPr/>
@@ -6218,14 +6795,6 @@
                         </a:rPr>
                         <a:t>Prompts a rejection (PACS 002) for a payment 	</a:t>
                       </a:r>
-                      <a:endParaRPr lang="en-US" sz="1200" b="0" i="0" u="none" strike="noStrike" kern="1200" baseline="0" dirty="0" smtClean="0">
-                        <a:solidFill>
-                          <a:schemeClr val="dk1"/>
-                        </a:solidFill>
-                        <a:latin typeface="+mn-lt"/>
-                        <a:ea typeface="+mn-ea"/>
-                        <a:cs typeface="+mn-cs"/>
-                      </a:endParaRPr>
                     </a:p>
                   </a:txBody>
                   <a:tcPr/>
@@ -6290,14 +6859,6 @@
                         </a:rPr>
                         <a:t>Returns all errors, and optionally additional computed, derived and enriched information, without saving the payment 	</a:t>
                       </a:r>
-                      <a:endParaRPr lang="en-US" sz="1200" b="0" i="0" u="none" strike="noStrike" kern="1200" baseline="0" dirty="0" smtClean="0">
-                        <a:solidFill>
-                          <a:schemeClr val="dk1"/>
-                        </a:solidFill>
-                        <a:latin typeface="+mn-lt"/>
-                        <a:ea typeface="+mn-ea"/>
-                        <a:cs typeface="+mn-cs"/>
-                      </a:endParaRPr>
                     </a:p>
                   </a:txBody>
                   <a:tcPr/>
@@ -6335,14 +6896,6 @@
                         </a:rPr>
                         <a:t>Validate 	 	</a:t>
                       </a:r>
-                      <a:endParaRPr lang="en-US" sz="1800" b="0" i="0" u="none" strike="noStrike" kern="1200" baseline="0" dirty="0" smtClean="0">
-                        <a:solidFill>
-                          <a:schemeClr val="dk1"/>
-                        </a:solidFill>
-                        <a:latin typeface="+mn-lt"/>
-                        <a:ea typeface="+mn-ea"/>
-                        <a:cs typeface="+mn-cs"/>
-                      </a:endParaRPr>
                     </a:p>
                   </a:txBody>
                   <a:tcPr/>
@@ -6399,14 +6952,6 @@
                         </a:rPr>
                         <a:t>Approve </a:t>
                       </a:r>
-                      <a:endParaRPr lang="en-US" sz="1800" b="0" i="0" u="none" strike="noStrike" kern="1200" baseline="0" dirty="0" smtClean="0">
-                        <a:solidFill>
-                          <a:schemeClr val="dk1"/>
-                        </a:solidFill>
-                        <a:latin typeface="+mn-lt"/>
-                        <a:ea typeface="+mn-ea"/>
-                        <a:cs typeface="+mn-cs"/>
-                      </a:endParaRPr>
                     </a:p>
                   </a:txBody>
                   <a:tcPr/>
@@ -6434,14 +6979,6 @@
                         </a:rPr>
                         <a:t>Sends the payment to Repair status 	</a:t>
                       </a:r>
-                      <a:endParaRPr lang="en-US" sz="1200" b="0" i="0" u="none" strike="noStrike" kern="1200" baseline="0" dirty="0" smtClean="0">
-                        <a:solidFill>
-                          <a:schemeClr val="dk1"/>
-                        </a:solidFill>
-                        <a:latin typeface="+mn-lt"/>
-                        <a:ea typeface="+mn-ea"/>
-                        <a:cs typeface="+mn-cs"/>
-                      </a:endParaRPr>
                     </a:p>
                   </a:txBody>
                   <a:tcPr/>
@@ -6506,14 +7043,6 @@
                         </a:rPr>
                         <a:t>Saves payment without performing validation (set payment status to Timed Hold) 	</a:t>
                       </a:r>
-                      <a:endParaRPr lang="en-US" sz="1200" b="0" i="0" u="none" strike="noStrike" kern="1200" baseline="0" dirty="0" smtClean="0">
-                        <a:solidFill>
-                          <a:schemeClr val="dk1"/>
-                        </a:solidFill>
-                        <a:latin typeface="+mn-lt"/>
-                        <a:ea typeface="+mn-ea"/>
-                        <a:cs typeface="+mn-cs"/>
-                      </a:endParaRPr>
                     </a:p>
                   </a:txBody>
                   <a:tcPr/>
@@ -6534,14 +7063,6 @@
                         </a:rPr>
                         <a:t>Save</a:t>
                       </a:r>
-                      <a:endParaRPr lang="en-US" sz="1800" b="0" i="0" u="none" strike="noStrike" kern="1200" baseline="0" dirty="0" smtClean="0">
-                        <a:solidFill>
-                          <a:schemeClr val="dk1"/>
-                        </a:solidFill>
-                        <a:latin typeface="+mn-lt"/>
-                        <a:ea typeface="+mn-ea"/>
-                        <a:cs typeface="+mn-cs"/>
-                      </a:endParaRPr>
                     </a:p>
                   </a:txBody>
                   <a:tcPr/>
@@ -6569,14 +7090,6 @@
                         </a:rPr>
                         <a:t>Confirms the payment is not a duplicate for payments that are waiting in possible duplicate queue 	</a:t>
                       </a:r>
-                      <a:endParaRPr lang="en-US" sz="1200" b="0" i="0" u="none" strike="noStrike" kern="1200" baseline="0" dirty="0" smtClean="0">
-                        <a:solidFill>
-                          <a:schemeClr val="dk1"/>
-                        </a:solidFill>
-                        <a:latin typeface="+mn-lt"/>
-                        <a:ea typeface="+mn-ea"/>
-                        <a:cs typeface="+mn-cs"/>
-                      </a:endParaRPr>
                     </a:p>
                   </a:txBody>
                   <a:tcPr/>
@@ -6678,14 +7191,6 @@
                         </a:rPr>
                         <a:t> or Cancel the payment. 	</a:t>
                       </a:r>
-                      <a:endParaRPr lang="en-US" sz="1200" b="0" i="0" u="none" strike="noStrike" kern="1200" baseline="0" dirty="0" smtClean="0">
-                        <a:solidFill>
-                          <a:schemeClr val="dk1"/>
-                        </a:solidFill>
-                        <a:latin typeface="+mn-lt"/>
-                        <a:ea typeface="+mn-ea"/>
-                        <a:cs typeface="+mn-cs"/>
-                      </a:endParaRPr>
                     </a:p>
                   </a:txBody>
                   <a:tcPr/>
@@ -6706,14 +7211,6 @@
                         </a:rPr>
                         <a:t>Cancel Request </a:t>
                       </a:r>
-                      <a:endParaRPr lang="en-US" sz="1800" b="0" i="0" u="none" strike="noStrike" kern="1200" baseline="0" dirty="0" smtClean="0">
-                        <a:solidFill>
-                          <a:schemeClr val="dk1"/>
-                        </a:solidFill>
-                        <a:latin typeface="+mn-lt"/>
-                        <a:ea typeface="+mn-ea"/>
-                        <a:cs typeface="+mn-cs"/>
-                      </a:endParaRPr>
                     </a:p>
                   </a:txBody>
                   <a:tcPr/>
@@ -6745,7 +7242,7 @@
           <a:p>
             <a:fld id="{2A4201E0-34F3-46A7-AE44-D99163B13904}" type="datetime4">
               <a:rPr lang="en-GB" smtClean="0"/>
-              <a:t>06 February 2018</a:t>
+              <a:t>21 March 2018</a:t>
             </a:fld>
             <a:endParaRPr lang="en-GB" dirty="0"/>
           </a:p>
@@ -6846,7 +7343,6 @@
               <a:rPr lang="en-GB" dirty="0" smtClean="0"/>
               <a:t>Rajesh Badiye</a:t>
             </a:r>
-            <a:endParaRPr lang="en-GB" dirty="0" smtClean="0"/>
           </a:p>
           <a:p>
             <a:r>
@@ -6875,7 +7371,7 @@
             <a:fld id="{D98A2CEC-3088-437B-B321-33BEC7D93FCD}" type="datetime4">
               <a:rPr lang="en-GB" smtClean="0"/>
               <a:pPr/>
-              <a:t>06 February 2018</a:t>
+              <a:t>21 March 2018</a:t>
             </a:fld>
             <a:endParaRPr lang="en-GB" dirty="0"/>
           </a:p>
@@ -7035,7 +7531,7 @@
           <a:p>
             <a:fld id="{6096F0BA-ECEE-44D1-ABE9-40C67B221300}" type="datetime4">
               <a:rPr lang="en-GB" smtClean="0"/>
-              <a:t>06 February 2018</a:t>
+              <a:t>21 March 2018</a:t>
             </a:fld>
             <a:endParaRPr lang="en-GB" dirty="0"/>
           </a:p>
@@ -7163,11 +7659,11 @@
           <a:lstStyle/>
           <a:p>
             <a:r>
-              <a:rPr lang="en-US" b="0" dirty="0"/>
+              <a:rPr lang="en-US" dirty="0"/>
               <a:t>GPP processes and manages payments. To be able to handle payments outside of </a:t>
             </a:r>
             <a:r>
-              <a:rPr lang="en-US" b="0" dirty="0" smtClean="0"/>
+              <a:rPr lang="en-US" dirty="0" smtClean="0"/>
               <a:t>GPP, there are various SOA services provided those can be invoked from external sources</a:t>
             </a:r>
             <a:r>
@@ -7178,11 +7674,6 @@
               </a:rPr>
               <a:t>”</a:t>
             </a:r>
-            <a:endParaRPr lang="en-GB" dirty="0" smtClean="0">
-              <a:solidFill>
-                <a:schemeClr val="accent1"/>
-              </a:solidFill>
-            </a:endParaRPr>
           </a:p>
           <a:p>
             <a:pPr lvl="1"/>
@@ -7212,7 +7703,7 @@
             <a:fld id="{014A5046-EA5E-455B-A3BC-352818629394}" type="datetime4">
               <a:rPr lang="en-GB" smtClean="0"/>
               <a:pPr/>
-              <a:t>06 February 2018</a:t>
+              <a:t>21 March 2018</a:t>
             </a:fld>
             <a:endParaRPr lang="en-GB" dirty="0"/>
           </a:p>
@@ -7332,7 +7823,7 @@
             <a:fld id="{BC3F1638-3586-4527-A760-38AC15BFC248}" type="datetime4">
               <a:rPr lang="en-GB" smtClean="0"/>
               <a:pPr/>
-              <a:t>06 February 2018</a:t>
+              <a:t>21 March 2018</a:t>
             </a:fld>
             <a:endParaRPr lang="en-GB" dirty="0"/>
           </a:p>
@@ -8077,7 +8568,7 @@
             <a:fld id="{BC3F1638-3586-4527-A760-38AC15BFC248}" type="datetime4">
               <a:rPr lang="en-GB" smtClean="0"/>
               <a:pPr/>
-              <a:t>06 February 2018</a:t>
+              <a:t>21 March 2018</a:t>
             </a:fld>
             <a:endParaRPr lang="en-GB" dirty="0"/>
           </a:p>
@@ -8115,8 +8606,8 @@
         </p:nvSpPr>
         <p:spPr>
           <a:xfrm>
-            <a:off x="623888" y="1123721"/>
-            <a:ext cx="9120187" cy="4487382"/>
+            <a:off x="623888" y="1336785"/>
+            <a:ext cx="9120187" cy="4238083"/>
           </a:xfrm>
           <a:prstGeom prst="rect">
             <a:avLst/>
@@ -8149,7 +8640,6 @@
                 <a:solidFill>
                   <a:schemeClr val="accent2"/>
                 </a:solidFill>
-                <a:latin typeface="Courier" pitchFamily="49" charset="0"/>
               </a:rPr>
               <a:t>QueueListService</a:t>
             </a:r>
@@ -8158,7 +8648,6 @@
                 <a:solidFill>
                   <a:schemeClr val="accent2"/>
                 </a:solidFill>
-                <a:latin typeface="Courier" pitchFamily="49" charset="0"/>
               </a:rPr>
               <a:t> </a:t>
             </a:r>
@@ -8167,14 +8656,11 @@
                 <a:solidFill>
                   <a:schemeClr val="accent2"/>
                 </a:solidFill>
-                <a:latin typeface="Courier" pitchFamily="49" charset="0"/>
               </a:rPr>
               <a:t>- </a:t>
             </a:r>
             <a:r>
-              <a:rPr lang="en-US" b="1" dirty="0">
-                <a:latin typeface="Courier" pitchFamily="49" charset="0"/>
-              </a:rPr>
+              <a:rPr lang="en-US" b="1" dirty="0"/>
               <a:t>Provides a list of payments which meet a given selection criteria and are filtered by user restrictions</a:t>
             </a:r>
             <a:endParaRPr lang="en-US" dirty="0" smtClean="0"/>
@@ -8197,7 +8683,6 @@
                 <a:solidFill>
                   <a:schemeClr val="accent2"/>
                 </a:solidFill>
-                <a:latin typeface="Courier" pitchFamily="49" charset="0"/>
               </a:rPr>
               <a:t>MessageLoadService</a:t>
             </a:r>
@@ -8206,19 +8691,14 @@
                 <a:solidFill>
                   <a:schemeClr val="accent2"/>
                 </a:solidFill>
-                <a:latin typeface="Courier" pitchFamily="49" charset="0"/>
               </a:rPr>
               <a:t> - </a:t>
             </a:r>
             <a:r>
-              <a:rPr lang="en-US" b="1" dirty="0">
-                <a:latin typeface="Courier" pitchFamily="49" charset="0"/>
-              </a:rPr>
+              <a:rPr lang="en-US" b="1" dirty="0"/>
               <a:t>Loads a specific payment, i.e. the third party application gets all payment details</a:t>
             </a:r>
-            <a:endParaRPr lang="en-US" b="1" dirty="0" smtClean="0">
-              <a:latin typeface="Courier" pitchFamily="49" charset="0"/>
-            </a:endParaRPr>
+            <a:endParaRPr lang="en-US" b="1" dirty="0" smtClean="0"/>
           </a:p>
           <a:p>
             <a:pPr marL="411163" indent="-411163">
@@ -8238,7 +8718,6 @@
                 <a:solidFill>
                   <a:schemeClr val="accent2"/>
                 </a:solidFill>
-                <a:latin typeface="Courier" pitchFamily="49" charset="0"/>
               </a:rPr>
               <a:t>MessageSubmitService</a:t>
             </a:r>
@@ -8247,20 +8726,15 @@
                 <a:solidFill>
                   <a:schemeClr val="accent2"/>
                 </a:solidFill>
-                <a:latin typeface="Courier" pitchFamily="49" charset="0"/>
               </a:rPr>
               <a:t> - </a:t>
             </a:r>
             <a:r>
-              <a:rPr lang="en-US" b="1" dirty="0">
-                <a:latin typeface="Courier" pitchFamily="49" charset="0"/>
-              </a:rPr>
+              <a:rPr lang="en-US" b="1" dirty="0"/>
               <a:t>Takes a manual action on a specific payment, such as Submit or </a:t>
             </a:r>
             <a:r>
-              <a:rPr lang="en-US" b="1" dirty="0" smtClean="0">
-                <a:latin typeface="Courier" pitchFamily="49" charset="0"/>
-              </a:rPr>
+              <a:rPr lang="en-US" b="1" dirty="0" smtClean="0"/>
               <a:t>Cancel</a:t>
             </a:r>
           </a:p>
@@ -8278,9 +8752,7 @@
               </a:buBlip>
             </a:pPr>
             <a:r>
-              <a:rPr lang="en-US" b="1" dirty="0" smtClean="0">
-                <a:latin typeface="Courier" pitchFamily="49" charset="0"/>
-              </a:rPr>
+              <a:rPr lang="en-US" b="1" dirty="0" smtClean="0"/>
               <a:t>Requests are processed immediately and response is given back.</a:t>
             </a:r>
           </a:p>
@@ -8298,9 +8770,7 @@
               </a:buBlip>
             </a:pPr>
             <a:r>
-              <a:rPr lang="en-US" b="1" dirty="0" smtClean="0">
-                <a:latin typeface="Courier" pitchFamily="49" charset="0"/>
-              </a:rPr>
+              <a:rPr lang="en-US" b="1" dirty="0" smtClean="0"/>
               <a:t>Additionally it returns processing status as successful/failure.</a:t>
             </a:r>
           </a:p>
@@ -8317,9 +8787,7 @@
                 <a:blip r:embed="rId3"/>
               </a:buBlip>
             </a:pPr>
-            <a:endParaRPr lang="en-US" b="1" dirty="0">
-              <a:latin typeface="Courier" pitchFamily="49" charset="0"/>
-            </a:endParaRPr>
+            <a:endParaRPr lang="en-US" b="1" dirty="0"/>
           </a:p>
           <a:p>
             <a:pPr>
@@ -8332,21 +8800,15 @@
               <a:buSzPct val="150000"/>
             </a:pPr>
             <a:r>
-              <a:rPr lang="en-US" b="1" dirty="0" smtClean="0">
-                <a:latin typeface="Courier" pitchFamily="49" charset="0"/>
-              </a:rPr>
+              <a:rPr lang="en-US" b="1" dirty="0" smtClean="0"/>
               <a:t>These services are exposed as Web Services over SOAP and they are based a Service-Oriented Architecture (SOA). This enables 3</a:t>
             </a:r>
             <a:r>
-              <a:rPr lang="en-US" b="1" baseline="30000" dirty="0" smtClean="0">
-                <a:latin typeface="Courier" pitchFamily="49" charset="0"/>
-              </a:rPr>
+              <a:rPr lang="en-US" b="1" baseline="30000" dirty="0" smtClean="0"/>
               <a:t>rd</a:t>
             </a:r>
             <a:r>
-              <a:rPr lang="en-US" b="1" dirty="0" smtClean="0">
-                <a:latin typeface="Courier" pitchFamily="49" charset="0"/>
-              </a:rPr>
+              <a:rPr lang="en-US" b="1" dirty="0" smtClean="0"/>
               <a:t> party applications to interact with GPP.</a:t>
             </a:r>
             <a:endParaRPr lang="en-US" dirty="0" smtClean="0"/>
@@ -8427,11 +8889,7 @@
             </a:r>
             <a:r>
               <a:rPr lang="en-US" dirty="0" smtClean="0"/>
-              <a:t>- </a:t>
-            </a:r>
-            <a:r>
-              <a:rPr lang="en-US" dirty="0" smtClean="0"/>
-              <a:t>example</a:t>
+              <a:t>- example</a:t>
             </a:r>
             <a:endParaRPr lang="en-GB" dirty="0"/>
           </a:p>
@@ -8455,7 +8913,7 @@
             <a:fld id="{BC3F1638-3586-4527-A760-38AC15BFC248}" type="datetime4">
               <a:rPr lang="en-GB" smtClean="0"/>
               <a:pPr/>
-              <a:t>06 February 2018</a:t>
+              <a:t>21 March 2018</a:t>
             </a:fld>
             <a:endParaRPr lang="en-GB" dirty="0"/>
           </a:p>
@@ -8547,13 +9005,18 @@
         </p:nvSpPr>
         <p:spPr>
           <a:xfrm>
-            <a:off x="6933460" y="1190889"/>
-            <a:ext cx="2681057" cy="710214"/>
+            <a:off x="6933459" y="1424545"/>
+            <a:ext cx="2681057" cy="468229"/>
           </a:xfrm>
           <a:prstGeom prst="roundRect">
             <a:avLst/>
           </a:prstGeom>
-          <a:noFill/>
+          <a:solidFill>
+            <a:schemeClr val="accent2">
+              <a:lumMod val="20000"/>
+              <a:lumOff val="80000"/>
+            </a:schemeClr>
+          </a:solidFill>
           <a:ln>
             <a:noFill/>
           </a:ln>
@@ -8580,16 +9043,16 @@
           <a:p>
             <a:pPr algn="ctr"/>
             <a:r>
-              <a:rPr lang="en-US" dirty="0" smtClean="0">
-                <a:solidFill>
-                  <a:schemeClr val="tx1"/>
+              <a:rPr lang="en-US" sz="1600" dirty="0">
+                <a:solidFill>
+                  <a:schemeClr val="accent2"/>
                 </a:solidFill>
               </a:rPr>
               <a:t>User and Role</a:t>
             </a:r>
-            <a:endParaRPr lang="en-US" dirty="0">
+            <a:endParaRPr lang="en-US" sz="1600" dirty="0">
               <a:solidFill>
-                <a:schemeClr val="tx1"/>
+                <a:schemeClr val="accent2"/>
               </a:solidFill>
             </a:endParaRPr>
           </a:p>
@@ -8603,13 +9066,18 @@
         </p:nvSpPr>
         <p:spPr>
           <a:xfrm>
-            <a:off x="6933459" y="2193700"/>
-            <a:ext cx="2681057" cy="710214"/>
+            <a:off x="6676006" y="2661191"/>
+            <a:ext cx="2681057" cy="476501"/>
           </a:xfrm>
           <a:prstGeom prst="roundRect">
             <a:avLst/>
           </a:prstGeom>
-          <a:noFill/>
+          <a:solidFill>
+            <a:schemeClr val="accent2">
+              <a:lumMod val="20000"/>
+              <a:lumOff val="80000"/>
+            </a:schemeClr>
+          </a:solidFill>
           <a:ln>
             <a:noFill/>
           </a:ln>
@@ -8636,16 +9104,16 @@
           <a:p>
             <a:pPr algn="ctr"/>
             <a:r>
-              <a:rPr lang="en-US" dirty="0" smtClean="0">
-                <a:solidFill>
-                  <a:schemeClr val="tx1"/>
+              <a:rPr lang="en-US" sz="1600" dirty="0">
+                <a:solidFill>
+                  <a:schemeClr val="accent2"/>
                 </a:solidFill>
               </a:rPr>
               <a:t>Payment to Load</a:t>
             </a:r>
-            <a:endParaRPr lang="en-US" dirty="0">
+            <a:endParaRPr lang="en-US" sz="1600" dirty="0">
               <a:solidFill>
-                <a:schemeClr val="tx1"/>
+                <a:schemeClr val="accent2"/>
               </a:solidFill>
             </a:endParaRPr>
           </a:p>
@@ -8659,13 +9127,18 @@
         </p:nvSpPr>
         <p:spPr>
           <a:xfrm>
-            <a:off x="7044941" y="3420122"/>
-            <a:ext cx="2681057" cy="710214"/>
+            <a:off x="7044941" y="3740829"/>
+            <a:ext cx="2681057" cy="490490"/>
           </a:xfrm>
           <a:prstGeom prst="roundRect">
             <a:avLst/>
           </a:prstGeom>
-          <a:noFill/>
+          <a:solidFill>
+            <a:schemeClr val="accent2">
+              <a:lumMod val="20000"/>
+              <a:lumOff val="80000"/>
+            </a:schemeClr>
+          </a:solidFill>
           <a:ln>
             <a:noFill/>
           </a:ln>
@@ -8692,16 +9165,16 @@
           <a:p>
             <a:pPr algn="ctr"/>
             <a:r>
-              <a:rPr lang="en-US" dirty="0" smtClean="0">
-                <a:solidFill>
-                  <a:schemeClr val="tx1"/>
+              <a:rPr lang="en-US" sz="1600" dirty="0">
+                <a:solidFill>
+                  <a:schemeClr val="accent2"/>
                 </a:solidFill>
               </a:rPr>
               <a:t>Fields to Load</a:t>
             </a:r>
-            <a:endParaRPr lang="en-US" dirty="0">
+            <a:endParaRPr lang="en-US" sz="1600" dirty="0">
               <a:solidFill>
-                <a:schemeClr val="tx1"/>
+                <a:schemeClr val="accent2"/>
               </a:solidFill>
             </a:endParaRPr>
           </a:p>
@@ -8710,15 +9183,13 @@
       <p:cxnSp>
         <p:nvCxnSpPr>
           <p:cNvPr id="9" name="Straight Arrow Connector 8"/>
-          <p:cNvCxnSpPr>
-            <a:stCxn id="3" idx="1"/>
-          </p:cNvCxnSpPr>
+          <p:cNvCxnSpPr/>
           <p:nvPr/>
         </p:nvCxnSpPr>
         <p:spPr>
-          <a:xfrm flipH="1">
-            <a:off x="3941685" y="1545996"/>
-            <a:ext cx="2991775" cy="113122"/>
+          <a:xfrm flipH="1" flipV="1">
+            <a:off x="3941686" y="1659118"/>
+            <a:ext cx="2991773" cy="15570"/>
           </a:xfrm>
           <a:prstGeom prst="straightConnector1">
             <a:avLst/>
@@ -8745,15 +9216,13 @@
       <p:cxnSp>
         <p:nvCxnSpPr>
           <p:cNvPr id="14" name="Straight Arrow Connector 13"/>
-          <p:cNvCxnSpPr>
-            <a:stCxn id="10" idx="1"/>
-          </p:cNvCxnSpPr>
+          <p:cNvCxnSpPr/>
           <p:nvPr/>
         </p:nvCxnSpPr>
         <p:spPr>
-          <a:xfrm flipH="1">
-            <a:off x="4287915" y="2548807"/>
-            <a:ext cx="2645544" cy="352683"/>
+          <a:xfrm flipH="1" flipV="1">
+            <a:off x="4287916" y="2895736"/>
+            <a:ext cx="2317070" cy="15541"/>
           </a:xfrm>
           <a:prstGeom prst="straightConnector1">
             <a:avLst/>
@@ -8780,15 +9249,13 @@
       <p:cxnSp>
         <p:nvCxnSpPr>
           <p:cNvPr id="16" name="Straight Arrow Connector 15"/>
-          <p:cNvCxnSpPr>
-            <a:stCxn id="12" idx="1"/>
-          </p:cNvCxnSpPr>
+          <p:cNvCxnSpPr/>
           <p:nvPr/>
         </p:nvCxnSpPr>
         <p:spPr>
-          <a:xfrm flipH="1">
-            <a:off x="4948238" y="3775229"/>
-            <a:ext cx="2096703" cy="193089"/>
+          <a:xfrm flipH="1" flipV="1">
+            <a:off x="4948239" y="3968318"/>
+            <a:ext cx="2096702" cy="17756"/>
           </a:xfrm>
           <a:prstGeom prst="straightConnector1">
             <a:avLst/>
@@ -8861,6 +9328,29 @@
           <a:chExt cx="0" cy="0"/>
         </a:xfrm>
       </p:grpSpPr>
+      <p:pic>
+        <p:nvPicPr>
+          <p:cNvPr id="7" name="Picture 6"/>
+          <p:cNvPicPr>
+            <a:picLocks noChangeAspect="1"/>
+          </p:cNvPicPr>
+          <p:nvPr/>
+        </p:nvPicPr>
+        <p:blipFill rotWithShape="1">
+          <a:blip r:embed="rId3"/>
+          <a:srcRect l="6999" r="25192"/>
+          <a:stretch/>
+        </p:blipFill>
+        <p:spPr>
+          <a:xfrm>
+            <a:off x="515987" y="932366"/>
+            <a:ext cx="5863068" cy="5341679"/>
+          </a:xfrm>
+          <a:prstGeom prst="rect">
+            <a:avLst/>
+          </a:prstGeom>
+        </p:spPr>
+      </p:pic>
       <p:sp>
         <p:nvSpPr>
           <p:cNvPr id="11" name="Title 1"/>
@@ -8910,7 +9400,7 @@
             <a:fld id="{BC3F1638-3586-4527-A760-38AC15BFC248}" type="datetime4">
               <a:rPr lang="en-GB" smtClean="0"/>
               <a:pPr/>
-              <a:t>06 February 2018</a:t>
+              <a:t>21 March 2018</a:t>
             </a:fld>
             <a:endParaRPr lang="en-GB" dirty="0"/>
           </a:p>
@@ -8978,13 +9468,18 @@
         </p:nvSpPr>
         <p:spPr>
           <a:xfrm>
-            <a:off x="6933459" y="5124867"/>
-            <a:ext cx="2681057" cy="710214"/>
+            <a:off x="4408273" y="5296755"/>
+            <a:ext cx="2681057" cy="508479"/>
           </a:xfrm>
           <a:prstGeom prst="roundRect">
             <a:avLst/>
           </a:prstGeom>
-          <a:noFill/>
+          <a:solidFill>
+            <a:schemeClr val="accent2">
+              <a:lumMod val="20000"/>
+              <a:lumOff val="80000"/>
+            </a:schemeClr>
+          </a:solidFill>
           <a:ln>
             <a:noFill/>
           </a:ln>
@@ -9011,128 +9506,16 @@
           <a:p>
             <a:pPr algn="ctr"/>
             <a:r>
-              <a:rPr lang="en-US" dirty="0" smtClean="0">
-                <a:solidFill>
-                  <a:schemeClr val="tx1"/>
+              <a:rPr lang="en-US" sz="1600" dirty="0">
+                <a:solidFill>
+                  <a:schemeClr val="accent2"/>
                 </a:solidFill>
               </a:rPr>
               <a:t>Response Code</a:t>
             </a:r>
-            <a:endParaRPr lang="en-US" dirty="0">
+            <a:endParaRPr lang="en-US" sz="1600" dirty="0">
               <a:solidFill>
-                <a:schemeClr val="tx1"/>
-              </a:solidFill>
-            </a:endParaRPr>
-          </a:p>
-        </p:txBody>
-      </p:sp>
-      <p:sp>
-        <p:nvSpPr>
-          <p:cNvPr id="10" name="Rounded Rectangle 9"/>
-          <p:cNvSpPr/>
-          <p:nvPr/>
-        </p:nvSpPr>
-        <p:spPr>
-          <a:xfrm>
-            <a:off x="6933459" y="2193700"/>
-            <a:ext cx="2681057" cy="710214"/>
-          </a:xfrm>
-          <a:prstGeom prst="roundRect">
-            <a:avLst/>
-          </a:prstGeom>
-          <a:noFill/>
-          <a:ln>
-            <a:noFill/>
-          </a:ln>
-        </p:spPr>
-        <p:style>
-          <a:lnRef idx="2">
-            <a:schemeClr val="accent1">
-              <a:shade val="50000"/>
-            </a:schemeClr>
-          </a:lnRef>
-          <a:fillRef idx="1">
-            <a:schemeClr val="accent1"/>
-          </a:fillRef>
-          <a:effectRef idx="0">
-            <a:schemeClr val="accent1"/>
-          </a:effectRef>
-          <a:fontRef idx="minor">
-            <a:schemeClr val="lt1"/>
-          </a:fontRef>
-        </p:style>
-        <p:txBody>
-          <a:bodyPr rtlCol="0" anchor="ctr"/>
-          <a:lstStyle/>
-          <a:p>
-            <a:pPr algn="ctr"/>
-            <a:r>
-              <a:rPr lang="en-US" dirty="0" smtClean="0">
-                <a:solidFill>
-                  <a:schemeClr val="tx1"/>
-                </a:solidFill>
-              </a:rPr>
-              <a:t>Payment Fields</a:t>
-            </a:r>
-            <a:endParaRPr lang="en-US" dirty="0">
-              <a:solidFill>
-                <a:schemeClr val="tx1"/>
-              </a:solidFill>
-            </a:endParaRPr>
-          </a:p>
-        </p:txBody>
-      </p:sp>
-      <p:sp>
-        <p:nvSpPr>
-          <p:cNvPr id="12" name="Rounded Rectangle 11"/>
-          <p:cNvSpPr/>
-          <p:nvPr/>
-        </p:nvSpPr>
-        <p:spPr>
-          <a:xfrm>
-            <a:off x="7044941" y="3420122"/>
-            <a:ext cx="2681057" cy="710214"/>
-          </a:xfrm>
-          <a:prstGeom prst="roundRect">
-            <a:avLst/>
-          </a:prstGeom>
-          <a:noFill/>
-          <a:ln>
-            <a:noFill/>
-          </a:ln>
-        </p:spPr>
-        <p:style>
-          <a:lnRef idx="2">
-            <a:schemeClr val="accent1">
-              <a:shade val="50000"/>
-            </a:schemeClr>
-          </a:lnRef>
-          <a:fillRef idx="1">
-            <a:schemeClr val="accent1"/>
-          </a:fillRef>
-          <a:effectRef idx="0">
-            <a:schemeClr val="accent1"/>
-          </a:effectRef>
-          <a:fontRef idx="minor">
-            <a:schemeClr val="lt1"/>
-          </a:fontRef>
-        </p:style>
-        <p:txBody>
-          <a:bodyPr rtlCol="0" anchor="ctr"/>
-          <a:lstStyle/>
-          <a:p>
-            <a:pPr algn="ctr"/>
-            <a:r>
-              <a:rPr lang="en-US" dirty="0" smtClean="0">
-                <a:solidFill>
-                  <a:schemeClr val="tx1"/>
-                </a:solidFill>
-              </a:rPr>
-              <a:t>Extension Fields</a:t>
-            </a:r>
-            <a:endParaRPr lang="en-US" dirty="0">
-              <a:solidFill>
-                <a:schemeClr val="tx1"/>
+                <a:schemeClr val="accent2"/>
               </a:solidFill>
             </a:endParaRPr>
           </a:p>
@@ -9146,7 +9529,7 @@
         </p:nvCxnSpPr>
         <p:spPr>
           <a:xfrm flipH="1">
-            <a:off x="6480699" y="5479974"/>
+            <a:off x="3844031" y="5550995"/>
             <a:ext cx="564242" cy="0"/>
           </a:xfrm>
           <a:prstGeom prst="straightConnector1">
@@ -9171,18 +9554,79 @@
           </a:fontRef>
         </p:style>
       </p:cxnSp>
+      <p:sp>
+        <p:nvSpPr>
+          <p:cNvPr id="13" name="Rounded Rectangle 12"/>
+          <p:cNvSpPr/>
+          <p:nvPr/>
+        </p:nvSpPr>
+        <p:spPr>
+          <a:xfrm>
+            <a:off x="7737794" y="2167392"/>
+            <a:ext cx="2476870" cy="532660"/>
+          </a:xfrm>
+          <a:prstGeom prst="roundRect">
+            <a:avLst/>
+          </a:prstGeom>
+          <a:solidFill>
+            <a:schemeClr val="accent2">
+              <a:lumMod val="20000"/>
+              <a:lumOff val="80000"/>
+            </a:schemeClr>
+          </a:solidFill>
+          <a:ln>
+            <a:noFill/>
+          </a:ln>
+        </p:spPr>
+        <p:style>
+          <a:lnRef idx="2">
+            <a:schemeClr val="accent1">
+              <a:shade val="50000"/>
+            </a:schemeClr>
+          </a:lnRef>
+          <a:fillRef idx="1">
+            <a:schemeClr val="accent1"/>
+          </a:fillRef>
+          <a:effectRef idx="0">
+            <a:schemeClr val="accent1"/>
+          </a:effectRef>
+          <a:fontRef idx="minor">
+            <a:schemeClr val="lt1"/>
+          </a:fontRef>
+        </p:style>
+        <p:txBody>
+          <a:bodyPr rtlCol="0" anchor="ctr"/>
+          <a:lstStyle/>
+          <a:p>
+            <a:pPr algn="ctr"/>
+            <a:r>
+              <a:rPr lang="en-US" sz="1600" dirty="0">
+                <a:solidFill>
+                  <a:schemeClr val="accent2"/>
+                </a:solidFill>
+              </a:rPr>
+              <a:t>Payment Fields</a:t>
+            </a:r>
+            <a:endParaRPr lang="en-US" sz="1600" dirty="0">
+              <a:solidFill>
+                <a:schemeClr val="accent2"/>
+              </a:solidFill>
+            </a:endParaRPr>
+          </a:p>
+        </p:txBody>
+      </p:sp>
       <p:cxnSp>
         <p:nvCxnSpPr>
-          <p:cNvPr id="14" name="Straight Arrow Connector 13"/>
+          <p:cNvPr id="15" name="Straight Arrow Connector 14"/>
           <p:cNvCxnSpPr>
-            <a:stCxn id="10" idx="1"/>
+            <a:stCxn id="13" idx="1"/>
           </p:cNvCxnSpPr>
           <p:nvPr/>
         </p:nvCxnSpPr>
         <p:spPr>
           <a:xfrm flipH="1">
-            <a:off x="6480699" y="2548807"/>
-            <a:ext cx="452760" cy="54230"/>
+            <a:off x="6379055" y="2433722"/>
+            <a:ext cx="1358739" cy="5742"/>
           </a:xfrm>
           <a:prstGeom prst="straightConnector1">
             <a:avLst/>
@@ -9206,18 +9650,80 @@
           </a:fontRef>
         </p:style>
       </p:cxnSp>
+      <p:sp>
+        <p:nvSpPr>
+          <p:cNvPr id="17" name="Rectangle 16"/>
+          <p:cNvSpPr/>
+          <p:nvPr/>
+        </p:nvSpPr>
+        <p:spPr>
+          <a:xfrm>
+            <a:off x="5659935" y="4519953"/>
+            <a:ext cx="2343759" cy="485538"/>
+          </a:xfrm>
+          <a:prstGeom prst="rect">
+            <a:avLst/>
+          </a:prstGeom>
+          <a:solidFill>
+            <a:schemeClr val="accent2">
+              <a:lumMod val="20000"/>
+              <a:lumOff val="80000"/>
+            </a:schemeClr>
+          </a:solidFill>
+          <a:ln>
+            <a:noFill/>
+          </a:ln>
+        </p:spPr>
+        <p:style>
+          <a:lnRef idx="2">
+            <a:schemeClr val="accent1">
+              <a:shade val="50000"/>
+            </a:schemeClr>
+          </a:lnRef>
+          <a:fillRef idx="1">
+            <a:schemeClr val="accent1"/>
+          </a:fillRef>
+          <a:effectRef idx="0">
+            <a:schemeClr val="accent1"/>
+          </a:effectRef>
+          <a:fontRef idx="minor">
+            <a:schemeClr val="lt1"/>
+          </a:fontRef>
+        </p:style>
+        <p:txBody>
+          <a:bodyPr rtlCol="0" anchor="ctr"/>
+          <a:lstStyle/>
+          <a:p>
+            <a:pPr algn="ctr"/>
+            <a:r>
+              <a:rPr lang="en-US" sz="1600" dirty="0">
+                <a:solidFill>
+                  <a:schemeClr val="accent2"/>
+                </a:solidFill>
+              </a:rPr>
+              <a:t>Extension Fields</a:t>
+            </a:r>
+            <a:endParaRPr lang="en-US" sz="1600" dirty="0">
+              <a:solidFill>
+                <a:schemeClr val="accent2"/>
+              </a:solidFill>
+            </a:endParaRPr>
+          </a:p>
+        </p:txBody>
+      </p:sp>
       <p:cxnSp>
         <p:nvCxnSpPr>
-          <p:cNvPr id="16" name="Straight Arrow Connector 15"/>
+          <p:cNvPr id="18" name="Straight Arrow Connector 17"/>
           <p:cNvCxnSpPr>
-            <a:stCxn id="12" idx="1"/>
+            <a:stCxn id="17" idx="1"/>
+            <a:endCxn id="19" idx="1"/>
           </p:cNvCxnSpPr>
           <p:nvPr/>
         </p:nvCxnSpPr>
         <p:spPr>
           <a:xfrm flipH="1">
-            <a:off x="6258757" y="3775229"/>
-            <a:ext cx="786184" cy="787893"/>
+            <a:off x="5039321" y="4762722"/>
+            <a:ext cx="620614" cy="0"/>
           </a:xfrm>
           <a:prstGeom prst="straightConnector1">
             <a:avLst/>
@@ -9241,29 +9747,44 @@
           </a:fontRef>
         </p:style>
       </p:cxnSp>
-      <p:pic>
-        <p:nvPicPr>
-          <p:cNvPr id="7" name="Picture 6"/>
-          <p:cNvPicPr>
-            <a:picLocks noChangeAspect="1"/>
-          </p:cNvPicPr>
+      <p:sp>
+        <p:nvSpPr>
+          <p:cNvPr id="19" name="Right Brace 18"/>
+          <p:cNvSpPr/>
           <p:nvPr/>
-        </p:nvPicPr>
-        <p:blipFill rotWithShape="1">
-          <a:blip r:embed="rId3"/>
-          <a:srcRect l="6999" r="25192"/>
-          <a:stretch/>
-        </p:blipFill>
+        </p:nvSpPr>
         <p:spPr>
           <a:xfrm>
-            <a:off x="515987" y="932366"/>
-            <a:ext cx="5863068" cy="5341679"/>
+            <a:off x="4915654" y="4267422"/>
+            <a:ext cx="123667" cy="990600"/>
           </a:xfrm>
-          <a:prstGeom prst="rect">
+          <a:prstGeom prst="rightBrace">
             <a:avLst/>
           </a:prstGeom>
         </p:spPr>
-      </p:pic>
+        <p:style>
+          <a:lnRef idx="1">
+            <a:schemeClr val="accent1"/>
+          </a:lnRef>
+          <a:fillRef idx="0">
+            <a:schemeClr val="accent1"/>
+          </a:fillRef>
+          <a:effectRef idx="0">
+            <a:schemeClr val="accent1"/>
+          </a:effectRef>
+          <a:fontRef idx="minor">
+            <a:schemeClr val="tx1"/>
+          </a:fontRef>
+        </p:style>
+        <p:txBody>
+          <a:bodyPr rtlCol="0" anchor="ctr"/>
+          <a:lstStyle/>
+          <a:p>
+            <a:pPr algn="ctr"/>
+            <a:endParaRPr lang="en-US"/>
+          </a:p>
+        </p:txBody>
+      </p:sp>
     </p:spTree>
     <p:extLst>
       <p:ext uri="{BB962C8B-B14F-4D97-AF65-F5344CB8AC3E}">
@@ -9338,11 +9859,7 @@
             </a:r>
             <a:r>
               <a:rPr lang="en-US" dirty="0" smtClean="0"/>
-              <a:t> </a:t>
-            </a:r>
-            <a:r>
-              <a:rPr lang="en-US" dirty="0" smtClean="0"/>
-              <a:t>- example</a:t>
+              <a:t> - example</a:t>
             </a:r>
             <a:endParaRPr lang="en-GB" dirty="0"/>
           </a:p>
@@ -9366,7 +9883,7 @@
             <a:fld id="{BC3F1638-3586-4527-A760-38AC15BFC248}" type="datetime4">
               <a:rPr lang="en-GB" smtClean="0"/>
               <a:pPr/>
-              <a:t>06 February 2018</a:t>
+              <a:t>21 March 2018</a:t>
             </a:fld>
             <a:endParaRPr lang="en-GB" dirty="0"/>
           </a:p>
@@ -9729,15 +10246,7 @@
             </a:r>
             <a:r>
               <a:rPr lang="en-US" dirty="0" smtClean="0"/>
-              <a:t> </a:t>
-            </a:r>
-            <a:r>
-              <a:rPr lang="en-US" dirty="0" smtClean="0"/>
-              <a:t>- </a:t>
-            </a:r>
-            <a:r>
-              <a:rPr lang="en-US" dirty="0" smtClean="0"/>
-              <a:t>Response</a:t>
+              <a:t> - Response</a:t>
             </a:r>
             <a:endParaRPr lang="en-GB" dirty="0"/>
           </a:p>
@@ -9761,7 +10270,7 @@
             <a:fld id="{BC3F1638-3586-4527-A760-38AC15BFC248}" type="datetime4">
               <a:rPr lang="en-GB" smtClean="0"/>
               <a:pPr/>
-              <a:t>06 February 2018</a:t>
+              <a:t>21 March 2018</a:t>
             </a:fld>
             <a:endParaRPr lang="en-GB" dirty="0"/>
           </a:p>
@@ -9835,29 +10344,108 @@
           <a:prstGeom prst="rect">
             <a:avLst/>
           </a:prstGeom>
-          <a:noFill/>
+          <a:solidFill>
+            <a:schemeClr val="accent2">
+              <a:lumMod val="20000"/>
+              <a:lumOff val="80000"/>
+            </a:schemeClr>
+          </a:solidFill>
+          <a:ln>
+            <a:noFill/>
+          </a:ln>
         </p:spPr>
-        <p:txBody>
-          <a:bodyPr wrap="square" lIns="0" tIns="0" rIns="0" bIns="0" rtlCol="1" anchor="ctr">
-            <a:noAutofit/>
-          </a:bodyPr>
-          <a:lstStyle/>
-          <a:p>
-            <a:r>
-              <a:rPr lang="en-US" sz="1600" b="1" dirty="0" smtClean="0">
+        <p:style>
+          <a:lnRef idx="2">
+            <a:schemeClr val="accent1">
+              <a:shade val="50000"/>
+            </a:schemeClr>
+          </a:lnRef>
+          <a:fillRef idx="1">
+            <a:schemeClr val="accent1"/>
+          </a:fillRef>
+          <a:effectRef idx="0">
+            <a:schemeClr val="accent1"/>
+          </a:effectRef>
+          <a:fontRef idx="minor">
+            <a:schemeClr val="lt1"/>
+          </a:fontRef>
+        </p:style>
+        <p:txBody>
+          <a:bodyPr rtlCol="0" anchor="ctr"/>
+          <a:lstStyle>
+            <a:defPPr>
+              <a:defRPr lang="en-US"/>
+            </a:defPPr>
+            <a:lvl1pPr algn="ctr">
+              <a:defRPr sz="1600">
                 <a:solidFill>
                   <a:schemeClr val="accent2"/>
                 </a:solidFill>
-                <a:latin typeface="Courier" pitchFamily="49" charset="0"/>
-              </a:rPr>
+              </a:defRPr>
+            </a:lvl1pPr>
+            <a:lvl2pPr>
+              <a:defRPr>
+                <a:solidFill>
+                  <a:schemeClr val="lt1"/>
+                </a:solidFill>
+              </a:defRPr>
+            </a:lvl2pPr>
+            <a:lvl3pPr>
+              <a:defRPr>
+                <a:solidFill>
+                  <a:schemeClr val="lt1"/>
+                </a:solidFill>
+              </a:defRPr>
+            </a:lvl3pPr>
+            <a:lvl4pPr>
+              <a:defRPr>
+                <a:solidFill>
+                  <a:schemeClr val="lt1"/>
+                </a:solidFill>
+              </a:defRPr>
+            </a:lvl4pPr>
+            <a:lvl5pPr>
+              <a:defRPr>
+                <a:solidFill>
+                  <a:schemeClr val="lt1"/>
+                </a:solidFill>
+              </a:defRPr>
+            </a:lvl5pPr>
+            <a:lvl6pPr>
+              <a:defRPr>
+                <a:solidFill>
+                  <a:schemeClr val="lt1"/>
+                </a:solidFill>
+              </a:defRPr>
+            </a:lvl6pPr>
+            <a:lvl7pPr>
+              <a:defRPr>
+                <a:solidFill>
+                  <a:schemeClr val="lt1"/>
+                </a:solidFill>
+              </a:defRPr>
+            </a:lvl7pPr>
+            <a:lvl8pPr>
+              <a:defRPr>
+                <a:solidFill>
+                  <a:schemeClr val="lt1"/>
+                </a:solidFill>
+              </a:defRPr>
+            </a:lvl8pPr>
+            <a:lvl9pPr>
+              <a:defRPr>
+                <a:solidFill>
+                  <a:schemeClr val="lt1"/>
+                </a:solidFill>
+              </a:defRPr>
+            </a:lvl9pPr>
+          </a:lstStyle>
+          <a:p>
+            <a:r>
+              <a:rPr lang="en-US" dirty="0"/>
               <a:t>List condition</a:t>
             </a:r>
-            <a:endParaRPr lang="he-IL" sz="1600" b="1" dirty="0" err="1" smtClean="0">
-              <a:solidFill>
-                <a:schemeClr val="accent2"/>
-              </a:solidFill>
-              <a:latin typeface="Courier" pitchFamily="49" charset="0"/>
-            </a:endParaRPr>
+            <a:endParaRPr lang="he-IL" dirty="0" err="1"/>
           </a:p>
         </p:txBody>
       </p:sp>
@@ -9875,29 +10463,108 @@
           <a:prstGeom prst="rect">
             <a:avLst/>
           </a:prstGeom>
-          <a:noFill/>
+          <a:solidFill>
+            <a:schemeClr val="accent2">
+              <a:lumMod val="20000"/>
+              <a:lumOff val="80000"/>
+            </a:schemeClr>
+          </a:solidFill>
+          <a:ln>
+            <a:noFill/>
+          </a:ln>
         </p:spPr>
-        <p:txBody>
-          <a:bodyPr wrap="square" lIns="0" tIns="0" rIns="0" bIns="0" rtlCol="1" anchor="ctr">
-            <a:noAutofit/>
-          </a:bodyPr>
-          <a:lstStyle/>
-          <a:p>
-            <a:r>
-              <a:rPr lang="en-US" sz="1600" b="1" dirty="0" smtClean="0">
+        <p:style>
+          <a:lnRef idx="2">
+            <a:schemeClr val="accent1">
+              <a:shade val="50000"/>
+            </a:schemeClr>
+          </a:lnRef>
+          <a:fillRef idx="1">
+            <a:schemeClr val="accent1"/>
+          </a:fillRef>
+          <a:effectRef idx="0">
+            <a:schemeClr val="accent1"/>
+          </a:effectRef>
+          <a:fontRef idx="minor">
+            <a:schemeClr val="lt1"/>
+          </a:fontRef>
+        </p:style>
+        <p:txBody>
+          <a:bodyPr rtlCol="0" anchor="ctr"/>
+          <a:lstStyle>
+            <a:defPPr>
+              <a:defRPr lang="en-US"/>
+            </a:defPPr>
+            <a:lvl1pPr algn="ctr">
+              <a:defRPr sz="1600">
                 <a:solidFill>
                   <a:schemeClr val="accent2"/>
                 </a:solidFill>
-                <a:latin typeface="Courier" pitchFamily="49" charset="0"/>
-              </a:rPr>
+              </a:defRPr>
+            </a:lvl1pPr>
+            <a:lvl2pPr>
+              <a:defRPr>
+                <a:solidFill>
+                  <a:schemeClr val="lt1"/>
+                </a:solidFill>
+              </a:defRPr>
+            </a:lvl2pPr>
+            <a:lvl3pPr>
+              <a:defRPr>
+                <a:solidFill>
+                  <a:schemeClr val="lt1"/>
+                </a:solidFill>
+              </a:defRPr>
+            </a:lvl3pPr>
+            <a:lvl4pPr>
+              <a:defRPr>
+                <a:solidFill>
+                  <a:schemeClr val="lt1"/>
+                </a:solidFill>
+              </a:defRPr>
+            </a:lvl4pPr>
+            <a:lvl5pPr>
+              <a:defRPr>
+                <a:solidFill>
+                  <a:schemeClr val="lt1"/>
+                </a:solidFill>
+              </a:defRPr>
+            </a:lvl5pPr>
+            <a:lvl6pPr>
+              <a:defRPr>
+                <a:solidFill>
+                  <a:schemeClr val="lt1"/>
+                </a:solidFill>
+              </a:defRPr>
+            </a:lvl6pPr>
+            <a:lvl7pPr>
+              <a:defRPr>
+                <a:solidFill>
+                  <a:schemeClr val="lt1"/>
+                </a:solidFill>
+              </a:defRPr>
+            </a:lvl7pPr>
+            <a:lvl8pPr>
+              <a:defRPr>
+                <a:solidFill>
+                  <a:schemeClr val="lt1"/>
+                </a:solidFill>
+              </a:defRPr>
+            </a:lvl8pPr>
+            <a:lvl9pPr>
+              <a:defRPr>
+                <a:solidFill>
+                  <a:schemeClr val="lt1"/>
+                </a:solidFill>
+              </a:defRPr>
+            </a:lvl9pPr>
+          </a:lstStyle>
+          <a:p>
+            <a:r>
+              <a:rPr lang="en-US" dirty="0"/>
               <a:t>Response field list</a:t>
             </a:r>
-            <a:endParaRPr lang="he-IL" sz="1600" b="1" dirty="0" err="1" smtClean="0">
-              <a:solidFill>
-                <a:schemeClr val="accent2"/>
-              </a:solidFill>
-              <a:latin typeface="Courier" pitchFamily="49" charset="0"/>
-            </a:endParaRPr>
+            <a:endParaRPr lang="he-IL" dirty="0" err="1"/>
           </a:p>
         </p:txBody>
       </p:sp>
@@ -9910,34 +10577,113 @@
         <p:spPr>
           <a:xfrm>
             <a:off x="5047903" y="4378481"/>
-            <a:ext cx="2270622" cy="395926"/>
+            <a:ext cx="2888734" cy="395926"/>
           </a:xfrm>
           <a:prstGeom prst="rect">
             <a:avLst/>
           </a:prstGeom>
-          <a:noFill/>
+          <a:solidFill>
+            <a:schemeClr val="accent2">
+              <a:lumMod val="20000"/>
+              <a:lumOff val="80000"/>
+            </a:schemeClr>
+          </a:solidFill>
+          <a:ln>
+            <a:noFill/>
+          </a:ln>
         </p:spPr>
-        <p:txBody>
-          <a:bodyPr wrap="square" lIns="0" tIns="0" rIns="0" bIns="0" rtlCol="1" anchor="ctr">
-            <a:noAutofit/>
-          </a:bodyPr>
-          <a:lstStyle/>
-          <a:p>
-            <a:r>
-              <a:rPr lang="en-US" sz="1600" b="1" dirty="0" smtClean="0">
+        <p:style>
+          <a:lnRef idx="2">
+            <a:schemeClr val="accent1">
+              <a:shade val="50000"/>
+            </a:schemeClr>
+          </a:lnRef>
+          <a:fillRef idx="1">
+            <a:schemeClr val="accent1"/>
+          </a:fillRef>
+          <a:effectRef idx="0">
+            <a:schemeClr val="accent1"/>
+          </a:effectRef>
+          <a:fontRef idx="minor">
+            <a:schemeClr val="lt1"/>
+          </a:fontRef>
+        </p:style>
+        <p:txBody>
+          <a:bodyPr rtlCol="0" anchor="ctr"/>
+          <a:lstStyle>
+            <a:defPPr>
+              <a:defRPr lang="en-US"/>
+            </a:defPPr>
+            <a:lvl1pPr algn="ctr">
+              <a:defRPr sz="1600">
                 <a:solidFill>
                   <a:schemeClr val="accent2"/>
                 </a:solidFill>
-                <a:latin typeface="Courier" pitchFamily="49" charset="0"/>
-              </a:rPr>
+              </a:defRPr>
+            </a:lvl1pPr>
+            <a:lvl2pPr>
+              <a:defRPr>
+                <a:solidFill>
+                  <a:schemeClr val="lt1"/>
+                </a:solidFill>
+              </a:defRPr>
+            </a:lvl2pPr>
+            <a:lvl3pPr>
+              <a:defRPr>
+                <a:solidFill>
+                  <a:schemeClr val="lt1"/>
+                </a:solidFill>
+              </a:defRPr>
+            </a:lvl3pPr>
+            <a:lvl4pPr>
+              <a:defRPr>
+                <a:solidFill>
+                  <a:schemeClr val="lt1"/>
+                </a:solidFill>
+              </a:defRPr>
+            </a:lvl4pPr>
+            <a:lvl5pPr>
+              <a:defRPr>
+                <a:solidFill>
+                  <a:schemeClr val="lt1"/>
+                </a:solidFill>
+              </a:defRPr>
+            </a:lvl5pPr>
+            <a:lvl6pPr>
+              <a:defRPr>
+                <a:solidFill>
+                  <a:schemeClr val="lt1"/>
+                </a:solidFill>
+              </a:defRPr>
+            </a:lvl6pPr>
+            <a:lvl7pPr>
+              <a:defRPr>
+                <a:solidFill>
+                  <a:schemeClr val="lt1"/>
+                </a:solidFill>
+              </a:defRPr>
+            </a:lvl7pPr>
+            <a:lvl8pPr>
+              <a:defRPr>
+                <a:solidFill>
+                  <a:schemeClr val="lt1"/>
+                </a:solidFill>
+              </a:defRPr>
+            </a:lvl8pPr>
+            <a:lvl9pPr>
+              <a:defRPr>
+                <a:solidFill>
+                  <a:schemeClr val="lt1"/>
+                </a:solidFill>
+              </a:defRPr>
+            </a:lvl9pPr>
+          </a:lstStyle>
+          <a:p>
+            <a:r>
+              <a:rPr lang="en-US" dirty="0"/>
               <a:t>Sorting/Paging Preferences</a:t>
             </a:r>
-            <a:endParaRPr lang="he-IL" sz="1600" b="1" dirty="0" err="1" smtClean="0">
-              <a:solidFill>
-                <a:schemeClr val="accent2"/>
-              </a:solidFill>
-              <a:latin typeface="Courier" pitchFamily="49" charset="0"/>
-            </a:endParaRPr>
+            <a:endParaRPr lang="he-IL" dirty="0" err="1"/>
           </a:p>
         </p:txBody>
       </p:sp>
@@ -9955,29 +10701,108 @@
           <a:prstGeom prst="rect">
             <a:avLst/>
           </a:prstGeom>
-          <a:noFill/>
+          <a:solidFill>
+            <a:schemeClr val="accent2">
+              <a:lumMod val="20000"/>
+              <a:lumOff val="80000"/>
+            </a:schemeClr>
+          </a:solidFill>
+          <a:ln>
+            <a:noFill/>
+          </a:ln>
         </p:spPr>
-        <p:txBody>
-          <a:bodyPr wrap="square" lIns="0" tIns="0" rIns="0" bIns="0" rtlCol="1" anchor="ctr">
-            <a:noAutofit/>
-          </a:bodyPr>
-          <a:lstStyle/>
-          <a:p>
-            <a:r>
-              <a:rPr lang="en-US" sz="1600" b="1" dirty="0" smtClean="0">
+        <p:style>
+          <a:lnRef idx="2">
+            <a:schemeClr val="accent1">
+              <a:shade val="50000"/>
+            </a:schemeClr>
+          </a:lnRef>
+          <a:fillRef idx="1">
+            <a:schemeClr val="accent1"/>
+          </a:fillRef>
+          <a:effectRef idx="0">
+            <a:schemeClr val="accent1"/>
+          </a:effectRef>
+          <a:fontRef idx="minor">
+            <a:schemeClr val="lt1"/>
+          </a:fontRef>
+        </p:style>
+        <p:txBody>
+          <a:bodyPr rtlCol="0" anchor="ctr"/>
+          <a:lstStyle>
+            <a:defPPr>
+              <a:defRPr lang="en-US"/>
+            </a:defPPr>
+            <a:lvl1pPr algn="ctr">
+              <a:defRPr sz="1600">
                 <a:solidFill>
                   <a:schemeClr val="accent2"/>
                 </a:solidFill>
-                <a:latin typeface="Courier" pitchFamily="49" charset="0"/>
-              </a:rPr>
+              </a:defRPr>
+            </a:lvl1pPr>
+            <a:lvl2pPr>
+              <a:defRPr>
+                <a:solidFill>
+                  <a:schemeClr val="lt1"/>
+                </a:solidFill>
+              </a:defRPr>
+            </a:lvl2pPr>
+            <a:lvl3pPr>
+              <a:defRPr>
+                <a:solidFill>
+                  <a:schemeClr val="lt1"/>
+                </a:solidFill>
+              </a:defRPr>
+            </a:lvl3pPr>
+            <a:lvl4pPr>
+              <a:defRPr>
+                <a:solidFill>
+                  <a:schemeClr val="lt1"/>
+                </a:solidFill>
+              </a:defRPr>
+            </a:lvl4pPr>
+            <a:lvl5pPr>
+              <a:defRPr>
+                <a:solidFill>
+                  <a:schemeClr val="lt1"/>
+                </a:solidFill>
+              </a:defRPr>
+            </a:lvl5pPr>
+            <a:lvl6pPr>
+              <a:defRPr>
+                <a:solidFill>
+                  <a:schemeClr val="lt1"/>
+                </a:solidFill>
+              </a:defRPr>
+            </a:lvl6pPr>
+            <a:lvl7pPr>
+              <a:defRPr>
+                <a:solidFill>
+                  <a:schemeClr val="lt1"/>
+                </a:solidFill>
+              </a:defRPr>
+            </a:lvl7pPr>
+            <a:lvl8pPr>
+              <a:defRPr>
+                <a:solidFill>
+                  <a:schemeClr val="lt1"/>
+                </a:solidFill>
+              </a:defRPr>
+            </a:lvl8pPr>
+            <a:lvl9pPr>
+              <a:defRPr>
+                <a:solidFill>
+                  <a:schemeClr val="lt1"/>
+                </a:solidFill>
+              </a:defRPr>
+            </a:lvl9pPr>
+          </a:lstStyle>
+          <a:p>
+            <a:r>
+              <a:rPr lang="en-US" dirty="0"/>
               <a:t>message header</a:t>
             </a:r>
-            <a:endParaRPr lang="he-IL" sz="1600" b="1" dirty="0" err="1" smtClean="0">
-              <a:solidFill>
-                <a:schemeClr val="accent2"/>
-              </a:solidFill>
-              <a:latin typeface="Courier" pitchFamily="49" charset="0"/>
-            </a:endParaRPr>
+            <a:endParaRPr lang="he-IL" dirty="0" err="1"/>
           </a:p>
         </p:txBody>
       </p:sp>
@@ -10868,12 +11693,12 @@
 </file>
 
 <file path=customXml/item1.xml><?xml version="1.0" encoding="utf-8"?>
-<p:properties xmlns:p="http://schemas.microsoft.com/office/2006/metadata/properties" xmlns:xsi="http://www.w3.org/2001/XMLSchema-instance" xmlns:pc="http://schemas.microsoft.com/office/infopath/2007/PartnerControls">
-  <documentManagement>
-    <PublishingExpirationDate xmlns="http://schemas.microsoft.com/sharepoint/v3" xsi:nil="true"/>
-    <PublishingStartDate xmlns="http://schemas.microsoft.com/sharepoint/v3" xsi:nil="true"/>
-  </documentManagement>
-</p:properties>
+<?mso-contentType ?>
+<FormTemplates xmlns="http://schemas.microsoft.com/sharepoint/v3/contenttype/forms">
+  <Display>DocumentLibraryForm</Display>
+  <Edit>DocumentLibraryForm</Edit>
+  <New>DocumentLibraryForm</New>
+</FormTemplates>
 </file>
 
 <file path=customXml/item2.xml><?xml version="1.0" encoding="utf-8"?>
@@ -11059,28 +11884,18 @@
 </file>
 
 <file path=customXml/item3.xml><?xml version="1.0" encoding="utf-8"?>
-<?mso-contentType ?>
-<FormTemplates xmlns="http://schemas.microsoft.com/sharepoint/v3/contenttype/forms">
-  <Display>DocumentLibraryForm</Display>
-  <Edit>DocumentLibraryForm</Edit>
-  <New>DocumentLibraryForm</New>
-</FormTemplates>
+<p:properties xmlns:p="http://schemas.microsoft.com/office/2006/metadata/properties" xmlns:xsi="http://www.w3.org/2001/XMLSchema-instance" xmlns:pc="http://schemas.microsoft.com/office/infopath/2007/PartnerControls">
+  <documentManagement>
+    <PublishingExpirationDate xmlns="http://schemas.microsoft.com/sharepoint/v3" xsi:nil="true"/>
+    <PublishingStartDate xmlns="http://schemas.microsoft.com/sharepoint/v3" xsi:nil="true"/>
+  </documentManagement>
+</p:properties>
 </file>
 
 <file path=customXml/itemProps1.xml><?xml version="1.0" encoding="utf-8"?>
-<ds:datastoreItem xmlns:ds="http://schemas.openxmlformats.org/officeDocument/2006/customXml" ds:itemID="{D7186F62-2954-471E-9368-38BF5704F41F}">
+<ds:datastoreItem xmlns:ds="http://schemas.openxmlformats.org/officeDocument/2006/customXml" ds:itemID="{CA1AEAF9-C730-4098-99F1-230B2FED747B}">
   <ds:schemaRefs>
-    <ds:schemaRef ds:uri="http://schemas.microsoft.com/office/2006/documentManagement/types"/>
-    <ds:schemaRef ds:uri="http://purl.org/dc/elements/1.1/"/>
-    <ds:schemaRef ds:uri="http://schemas.microsoft.com/office/2006/metadata/properties"/>
-    <ds:schemaRef ds:uri="http://purl.org/dc/terms/"/>
-    <ds:schemaRef ds:uri="http://schemas.microsoft.com/sharepoint/v3"/>
-    <ds:schemaRef ds:uri="1913475e-a030-45ec-9e8a-a2630205b38f"/>
-    <ds:schemaRef ds:uri="http://www.w3.org/XML/1998/namespace"/>
-    <ds:schemaRef ds:uri="http://schemas.microsoft.com/office/infopath/2007/PartnerControls"/>
-    <ds:schemaRef ds:uri="http://schemas.openxmlformats.org/package/2006/metadata/core-properties"/>
-    <ds:schemaRef ds:uri="0ae7057e-292f-4fd1-bead-5494e4c66c6d"/>
-    <ds:schemaRef ds:uri="http://purl.org/dc/dcmitype/"/>
+    <ds:schemaRef ds:uri="http://schemas.microsoft.com/sharepoint/v3/contenttype/forms"/>
   </ds:schemaRefs>
 </ds:datastoreItem>
 </file>
@@ -11106,9 +11921,19 @@
 </file>
 
 <file path=customXml/itemProps3.xml><?xml version="1.0" encoding="utf-8"?>
-<ds:datastoreItem xmlns:ds="http://schemas.openxmlformats.org/officeDocument/2006/customXml" ds:itemID="{CA1AEAF9-C730-4098-99F1-230B2FED747B}">
+<ds:datastoreItem xmlns:ds="http://schemas.openxmlformats.org/officeDocument/2006/customXml" ds:itemID="{D7186F62-2954-471E-9368-38BF5704F41F}">
   <ds:schemaRefs>
-    <ds:schemaRef ds:uri="http://schemas.microsoft.com/sharepoint/v3/contenttype/forms"/>
+    <ds:schemaRef ds:uri="1913475e-a030-45ec-9e8a-a2630205b38f"/>
+    <ds:schemaRef ds:uri="http://schemas.microsoft.com/sharepoint/v3"/>
+    <ds:schemaRef ds:uri="http://purl.org/dc/terms/"/>
+    <ds:schemaRef ds:uri="http://schemas.openxmlformats.org/package/2006/metadata/core-properties"/>
+    <ds:schemaRef ds:uri="http://schemas.microsoft.com/office/2006/documentManagement/types"/>
+    <ds:schemaRef ds:uri="http://schemas.microsoft.com/office/infopath/2007/PartnerControls"/>
+    <ds:schemaRef ds:uri="http://purl.org/dc/elements/1.1/"/>
+    <ds:schemaRef ds:uri="http://schemas.microsoft.com/office/2006/metadata/properties"/>
+    <ds:schemaRef ds:uri="0ae7057e-292f-4fd1-bead-5494e4c66c6d"/>
+    <ds:schemaRef ds:uri="http://www.w3.org/XML/1998/namespace"/>
+    <ds:schemaRef ds:uri="http://purl.org/dc/dcmitype/"/>
   </ds:schemaRefs>
 </ds:datastoreItem>
 </file>
--- a/documentation/14 SOA Services - Action on payments.pptx
+++ b/documentation/14 SOA Services - Action on payments.pptx
@@ -227,7 +227,7 @@
           <a:p>
             <a:fld id="{CE53DE84-D7B3-4797-B14D-77424657396D}" type="datetimeFigureOut">
               <a:rPr lang="en-GB" smtClean="0"/>
-              <a:t>21/03/2018</a:t>
+              <a:t>24/03/2019</a:t>
             </a:fld>
             <a:endParaRPr lang="en-GB" dirty="0"/>
           </a:p>
@@ -392,7 +392,7 @@
           <a:p>
             <a:fld id="{D1C597EC-6BB0-461C-B045-D257C6C8821E}" type="datetimeFigureOut">
               <a:rPr lang="en-GB" smtClean="0"/>
-              <a:t>21/03/2018</a:t>
+              <a:t>24/03/2019</a:t>
             </a:fld>
             <a:endParaRPr lang="en-GB" dirty="0"/>
           </a:p>
@@ -1918,7 +1918,7 @@
           <a:p>
             <a:fld id="{22E7AA2F-F619-4723-B6E7-545F24B9918D}" type="datetime4">
               <a:rPr lang="en-GB" smtClean="0"/>
-              <a:t>21 March 2018</a:t>
+              <a:t>24 March 2019</a:t>
             </a:fld>
             <a:endParaRPr lang="en-GB" dirty="0"/>
           </a:p>
@@ -2122,7 +2122,7 @@
           <a:p>
             <a:fld id="{2A4201E0-34F3-46A7-AE44-D99163B13904}" type="datetime4">
               <a:rPr lang="en-GB" smtClean="0"/>
-              <a:t>21 March 2018</a:t>
+              <a:t>24 March 2019</a:t>
             </a:fld>
             <a:endParaRPr lang="en-GB" dirty="0"/>
           </a:p>
@@ -2370,7 +2370,7 @@
           <a:p>
             <a:fld id="{4FAE0867-24A8-448F-B507-CC8586AA6B96}" type="datetime4">
               <a:rPr lang="en-GB" smtClean="0"/>
-              <a:t>21 March 2018</a:t>
+              <a:t>24 March 2019</a:t>
             </a:fld>
             <a:endParaRPr lang="en-GB" dirty="0"/>
           </a:p>
@@ -2554,7 +2554,7 @@
           <a:p>
             <a:fld id="{54BE1DED-F17D-40BA-964F-A1C8DEDCEF61}" type="datetime4">
               <a:rPr lang="en-GB" smtClean="0"/>
-              <a:t>21 March 2018</a:t>
+              <a:t>24 March 2019</a:t>
             </a:fld>
             <a:endParaRPr lang="en-GB" dirty="0"/>
           </a:p>
@@ -2930,7 +2930,7 @@
             <a:fld id="{D9FBC6CA-9941-44FF-B65D-C7A23CB5A4BE}" type="datetime4">
               <a:rPr lang="en-GB" smtClean="0"/>
               <a:pPr/>
-              <a:t>21 March 2018</a:t>
+              <a:t>24 March 2019</a:t>
             </a:fld>
             <a:endParaRPr lang="en-GB" dirty="0"/>
           </a:p>
@@ -3116,7 +3116,7 @@
           <a:p>
             <a:fld id="{D473304B-F8FC-4BC7-8FE8-C50BC87E1FAB}" type="datetime4">
               <a:rPr lang="en-GB" smtClean="0"/>
-              <a:t>21 March 2018</a:t>
+              <a:t>24 March 2019</a:t>
             </a:fld>
             <a:endParaRPr lang="en-GB" dirty="0"/>
           </a:p>
@@ -3211,7 +3211,7 @@
           <a:p>
             <a:fld id="{D3D7C3DF-C1B2-4C30-9BDA-F5EE790E7213}" type="datetime4">
               <a:rPr lang="en-GB" smtClean="0"/>
-              <a:t>21 March 2018</a:t>
+              <a:t>24 March 2019</a:t>
             </a:fld>
             <a:endParaRPr lang="en-GB" dirty="0"/>
           </a:p>
@@ -3436,7 +3436,7 @@
           <a:p>
             <a:fld id="{7A1E630C-C3F3-4A66-A20B-F3CE4CC3331D}" type="datetime4">
               <a:rPr lang="en-GB" smtClean="0"/>
-              <a:t>21 March 2018</a:t>
+              <a:t>24 March 2019</a:t>
             </a:fld>
             <a:endParaRPr lang="en-GB" dirty="0"/>
           </a:p>
@@ -4070,7 +4070,7 @@
           <a:p>
             <a:fld id="{D22C19FE-D082-4640-BFED-203C0E583774}" type="datetime4">
               <a:rPr lang="en-GB" smtClean="0"/>
-              <a:t>21 March 2018</a:t>
+              <a:t>24 March 2019</a:t>
             </a:fld>
             <a:endParaRPr lang="en-GB" dirty="0"/>
           </a:p>
@@ -4675,7 +4675,7 @@
             <a:pPr lvl="1"/>
             <a:r>
               <a:rPr lang="en-GB" dirty="0" smtClean="0"/>
-              <a:t>July 2017</a:t>
+              <a:t>2019</a:t>
             </a:r>
             <a:endParaRPr lang="en-GB" dirty="0"/>
           </a:p>
@@ -4779,7 +4779,7 @@
             <a:fld id="{BC3F1638-3586-4527-A760-38AC15BFC248}" type="datetime4">
               <a:rPr lang="en-GB" smtClean="0"/>
               <a:pPr/>
-              <a:t>21 March 2018</a:t>
+              <a:t>24 March 2019</a:t>
             </a:fld>
             <a:endParaRPr lang="en-GB" dirty="0"/>
           </a:p>
@@ -5089,7 +5089,7 @@
             <a:fld id="{BC3F1638-3586-4527-A760-38AC15BFC248}" type="datetime4">
               <a:rPr lang="en-GB" smtClean="0"/>
               <a:pPr/>
-              <a:t>21 March 2018</a:t>
+              <a:t>24 March 2019</a:t>
             </a:fld>
             <a:endParaRPr lang="en-GB" dirty="0"/>
           </a:p>
@@ -5914,7 +5914,7 @@
             <a:fld id="{BC3F1638-3586-4527-A760-38AC15BFC248}" type="datetime4">
               <a:rPr lang="en-GB" smtClean="0"/>
               <a:pPr/>
-              <a:t>21 March 2018</a:t>
+              <a:t>24 March 2019</a:t>
             </a:fld>
             <a:endParaRPr lang="en-GB" dirty="0"/>
           </a:p>
@@ -7242,7 +7242,7 @@
           <a:p>
             <a:fld id="{2A4201E0-34F3-46A7-AE44-D99163B13904}" type="datetime4">
               <a:rPr lang="en-GB" smtClean="0"/>
-              <a:t>21 March 2018</a:t>
+              <a:t>24 March 2019</a:t>
             </a:fld>
             <a:endParaRPr lang="en-GB" dirty="0"/>
           </a:p>
@@ -7340,14 +7340,12 @@
           <a:lstStyle/>
           <a:p>
             <a:r>
-              <a:rPr lang="en-GB" dirty="0" smtClean="0"/>
-              <a:t>Rajesh Badiye</a:t>
-            </a:r>
-          </a:p>
-          <a:p>
-            <a:r>
               <a:rPr lang="en-GB" b="0" dirty="0" smtClean="0"/>
-              <a:t>Integration Team</a:t>
+              <a:t>Integration </a:t>
+            </a:r>
+            <a:r>
+              <a:rPr lang="en-GB" b="0" dirty="0" smtClean="0"/>
+              <a:t>Team</a:t>
             </a:r>
             <a:endParaRPr lang="en-GB" b="0" dirty="0"/>
           </a:p>
@@ -7371,7 +7369,7 @@
             <a:fld id="{D98A2CEC-3088-437B-B321-33BEC7D93FCD}" type="datetime4">
               <a:rPr lang="en-GB" smtClean="0"/>
               <a:pPr/>
-              <a:t>21 March 2018</a:t>
+              <a:t>24 March 2019</a:t>
             </a:fld>
             <a:endParaRPr lang="en-GB" dirty="0"/>
           </a:p>
@@ -7393,8 +7391,8 @@
           <a:lstStyle/>
           <a:p>
             <a:r>
-              <a:rPr lang="en-GB" smtClean="0"/>
-              <a:t>Rajesh.badiye@finastra.com</a:t>
+              <a:rPr lang="en-GB" dirty="0" smtClean="0"/>
+              <a:t>Alexander.perman@finastra.com</a:t>
             </a:r>
             <a:endParaRPr lang="en-GB" dirty="0" smtClean="0"/>
           </a:p>
@@ -7531,7 +7529,7 @@
           <a:p>
             <a:fld id="{6096F0BA-ECEE-44D1-ABE9-40C67B221300}" type="datetime4">
               <a:rPr lang="en-GB" smtClean="0"/>
-              <a:t>21 March 2018</a:t>
+              <a:t>24 March 2019</a:t>
             </a:fld>
             <a:endParaRPr lang="en-GB" dirty="0"/>
           </a:p>
@@ -7703,7 +7701,7 @@
             <a:fld id="{014A5046-EA5E-455B-A3BC-352818629394}" type="datetime4">
               <a:rPr lang="en-GB" smtClean="0"/>
               <a:pPr/>
-              <a:t>21 March 2018</a:t>
+              <a:t>24 March 2019</a:t>
             </a:fld>
             <a:endParaRPr lang="en-GB" dirty="0"/>
           </a:p>
@@ -7823,7 +7821,7 @@
             <a:fld id="{BC3F1638-3586-4527-A760-38AC15BFC248}" type="datetime4">
               <a:rPr lang="en-GB" smtClean="0"/>
               <a:pPr/>
-              <a:t>21 March 2018</a:t>
+              <a:t>24 March 2019</a:t>
             </a:fld>
             <a:endParaRPr lang="en-GB" dirty="0"/>
           </a:p>
@@ -8568,7 +8566,7 @@
             <a:fld id="{BC3F1638-3586-4527-A760-38AC15BFC248}" type="datetime4">
               <a:rPr lang="en-GB" smtClean="0"/>
               <a:pPr/>
-              <a:t>21 March 2018</a:t>
+              <a:t>24 March 2019</a:t>
             </a:fld>
             <a:endParaRPr lang="en-GB" dirty="0"/>
           </a:p>
@@ -8913,7 +8911,7 @@
             <a:fld id="{BC3F1638-3586-4527-A760-38AC15BFC248}" type="datetime4">
               <a:rPr lang="en-GB" smtClean="0"/>
               <a:pPr/>
-              <a:t>21 March 2018</a:t>
+              <a:t>24 March 2019</a:t>
             </a:fld>
             <a:endParaRPr lang="en-GB" dirty="0"/>
           </a:p>
@@ -9050,11 +9048,6 @@
               </a:rPr>
               <a:t>User and Role</a:t>
             </a:r>
-            <a:endParaRPr lang="en-US" sz="1600" dirty="0">
-              <a:solidFill>
-                <a:schemeClr val="accent2"/>
-              </a:solidFill>
-            </a:endParaRPr>
           </a:p>
         </p:txBody>
       </p:sp>
@@ -9111,11 +9104,6 @@
               </a:rPr>
               <a:t>Payment to Load</a:t>
             </a:r>
-            <a:endParaRPr lang="en-US" sz="1600" dirty="0">
-              <a:solidFill>
-                <a:schemeClr val="accent2"/>
-              </a:solidFill>
-            </a:endParaRPr>
           </a:p>
         </p:txBody>
       </p:sp>
@@ -9172,11 +9160,6 @@
               </a:rPr>
               <a:t>Fields to Load</a:t>
             </a:r>
-            <a:endParaRPr lang="en-US" sz="1600" dirty="0">
-              <a:solidFill>
-                <a:schemeClr val="accent2"/>
-              </a:solidFill>
-            </a:endParaRPr>
           </a:p>
         </p:txBody>
       </p:sp>
@@ -9400,7 +9383,7 @@
             <a:fld id="{BC3F1638-3586-4527-A760-38AC15BFC248}" type="datetime4">
               <a:rPr lang="en-GB" smtClean="0"/>
               <a:pPr/>
-              <a:t>21 March 2018</a:t>
+              <a:t>24 March 2019</a:t>
             </a:fld>
             <a:endParaRPr lang="en-GB" dirty="0"/>
           </a:p>
@@ -9513,11 +9496,6 @@
               </a:rPr>
               <a:t>Response Code</a:t>
             </a:r>
-            <a:endParaRPr lang="en-US" sz="1600" dirty="0">
-              <a:solidFill>
-                <a:schemeClr val="accent2"/>
-              </a:solidFill>
-            </a:endParaRPr>
           </a:p>
         </p:txBody>
       </p:sp>
@@ -9607,11 +9585,6 @@
               </a:rPr>
               <a:t>Payment Fields</a:t>
             </a:r>
-            <a:endParaRPr lang="en-US" sz="1600" dirty="0">
-              <a:solidFill>
-                <a:schemeClr val="accent2"/>
-              </a:solidFill>
-            </a:endParaRPr>
           </a:p>
         </p:txBody>
       </p:sp>
@@ -9703,11 +9676,6 @@
               </a:rPr>
               <a:t>Extension Fields</a:t>
             </a:r>
-            <a:endParaRPr lang="en-US" sz="1600" dirty="0">
-              <a:solidFill>
-                <a:schemeClr val="accent2"/>
-              </a:solidFill>
-            </a:endParaRPr>
           </a:p>
         </p:txBody>
       </p:sp>
@@ -9883,7 +9851,7 @@
             <a:fld id="{BC3F1638-3586-4527-A760-38AC15BFC248}" type="datetime4">
               <a:rPr lang="en-GB" smtClean="0"/>
               <a:pPr/>
-              <a:t>21 March 2018</a:t>
+              <a:t>24 March 2019</a:t>
             </a:fld>
             <a:endParaRPr lang="en-GB" dirty="0"/>
           </a:p>
@@ -10270,7 +10238,7 @@
             <a:fld id="{BC3F1638-3586-4527-A760-38AC15BFC248}" type="datetime4">
               <a:rPr lang="en-GB" smtClean="0"/>
               <a:pPr/>
-              <a:t>21 March 2018</a:t>
+              <a:t>24 March 2019</a:t>
             </a:fld>
             <a:endParaRPr lang="en-GB" dirty="0"/>
           </a:p>
@@ -11693,12 +11661,12 @@
 </file>
 
 <file path=customXml/item1.xml><?xml version="1.0" encoding="utf-8"?>
-<?mso-contentType ?>
-<FormTemplates xmlns="http://schemas.microsoft.com/sharepoint/v3/contenttype/forms">
-  <Display>DocumentLibraryForm</Display>
-  <Edit>DocumentLibraryForm</Edit>
-  <New>DocumentLibraryForm</New>
-</FormTemplates>
+<p:properties xmlns:p="http://schemas.microsoft.com/office/2006/metadata/properties" xmlns:xsi="http://www.w3.org/2001/XMLSchema-instance" xmlns:pc="http://schemas.microsoft.com/office/infopath/2007/PartnerControls">
+  <documentManagement>
+    <PublishingExpirationDate xmlns="http://schemas.microsoft.com/sharepoint/v3" xsi:nil="true"/>
+    <PublishingStartDate xmlns="http://schemas.microsoft.com/sharepoint/v3" xsi:nil="true"/>
+  </documentManagement>
+</p:properties>
 </file>
 
 <file path=customXml/item2.xml><?xml version="1.0" encoding="utf-8"?>
@@ -11884,18 +11852,28 @@
 </file>
 
 <file path=customXml/item3.xml><?xml version="1.0" encoding="utf-8"?>
-<p:properties xmlns:p="http://schemas.microsoft.com/office/2006/metadata/properties" xmlns:xsi="http://www.w3.org/2001/XMLSchema-instance" xmlns:pc="http://schemas.microsoft.com/office/infopath/2007/PartnerControls">
-  <documentManagement>
-    <PublishingExpirationDate xmlns="http://schemas.microsoft.com/sharepoint/v3" xsi:nil="true"/>
-    <PublishingStartDate xmlns="http://schemas.microsoft.com/sharepoint/v3" xsi:nil="true"/>
-  </documentManagement>
-</p:properties>
+<?mso-contentType ?>
+<FormTemplates xmlns="http://schemas.microsoft.com/sharepoint/v3/contenttype/forms">
+  <Display>DocumentLibraryForm</Display>
+  <Edit>DocumentLibraryForm</Edit>
+  <New>DocumentLibraryForm</New>
+</FormTemplates>
 </file>
 
 <file path=customXml/itemProps1.xml><?xml version="1.0" encoding="utf-8"?>
-<ds:datastoreItem xmlns:ds="http://schemas.openxmlformats.org/officeDocument/2006/customXml" ds:itemID="{CA1AEAF9-C730-4098-99F1-230B2FED747B}">
+<ds:datastoreItem xmlns:ds="http://schemas.openxmlformats.org/officeDocument/2006/customXml" ds:itemID="{D7186F62-2954-471E-9368-38BF5704F41F}">
   <ds:schemaRefs>
-    <ds:schemaRef ds:uri="http://schemas.microsoft.com/sharepoint/v3/contenttype/forms"/>
+    <ds:schemaRef ds:uri="1913475e-a030-45ec-9e8a-a2630205b38f"/>
+    <ds:schemaRef ds:uri="http://schemas.microsoft.com/sharepoint/v3"/>
+    <ds:schemaRef ds:uri="http://purl.org/dc/terms/"/>
+    <ds:schemaRef ds:uri="http://schemas.openxmlformats.org/package/2006/metadata/core-properties"/>
+    <ds:schemaRef ds:uri="http://schemas.microsoft.com/office/2006/documentManagement/types"/>
+    <ds:schemaRef ds:uri="http://schemas.microsoft.com/office/infopath/2007/PartnerControls"/>
+    <ds:schemaRef ds:uri="http://purl.org/dc/elements/1.1/"/>
+    <ds:schemaRef ds:uri="http://schemas.microsoft.com/office/2006/metadata/properties"/>
+    <ds:schemaRef ds:uri="0ae7057e-292f-4fd1-bead-5494e4c66c6d"/>
+    <ds:schemaRef ds:uri="http://www.w3.org/XML/1998/namespace"/>
+    <ds:schemaRef ds:uri="http://purl.org/dc/dcmitype/"/>
   </ds:schemaRefs>
 </ds:datastoreItem>
 </file>
@@ -11921,19 +11899,9 @@
 </file>
 
 <file path=customXml/itemProps3.xml><?xml version="1.0" encoding="utf-8"?>
-<ds:datastoreItem xmlns:ds="http://schemas.openxmlformats.org/officeDocument/2006/customXml" ds:itemID="{D7186F62-2954-471E-9368-38BF5704F41F}">
+<ds:datastoreItem xmlns:ds="http://schemas.openxmlformats.org/officeDocument/2006/customXml" ds:itemID="{CA1AEAF9-C730-4098-99F1-230B2FED747B}">
   <ds:schemaRefs>
-    <ds:schemaRef ds:uri="1913475e-a030-45ec-9e8a-a2630205b38f"/>
-    <ds:schemaRef ds:uri="http://schemas.microsoft.com/sharepoint/v3"/>
-    <ds:schemaRef ds:uri="http://purl.org/dc/terms/"/>
-    <ds:schemaRef ds:uri="http://schemas.openxmlformats.org/package/2006/metadata/core-properties"/>
-    <ds:schemaRef ds:uri="http://schemas.microsoft.com/office/2006/documentManagement/types"/>
-    <ds:schemaRef ds:uri="http://schemas.microsoft.com/office/infopath/2007/PartnerControls"/>
-    <ds:schemaRef ds:uri="http://purl.org/dc/elements/1.1/"/>
-    <ds:schemaRef ds:uri="http://schemas.microsoft.com/office/2006/metadata/properties"/>
-    <ds:schemaRef ds:uri="0ae7057e-292f-4fd1-bead-5494e4c66c6d"/>
-    <ds:schemaRef ds:uri="http://www.w3.org/XML/1998/namespace"/>
-    <ds:schemaRef ds:uri="http://purl.org/dc/dcmitype/"/>
+    <ds:schemaRef ds:uri="http://schemas.microsoft.com/sharepoint/v3/contenttype/forms"/>
   </ds:schemaRefs>
 </ds:datastoreItem>
 </file>